--- a/pics/2020-09-26-gradient_descent_with_momentum/pics.pptx
+++ b/pics/2020-09-26-gradient_descent_with_momentum/pics.pptx
@@ -6,6 +6,7 @@
   </p:sldMasterIdLst>
   <p:sldIdLst>
     <p:sldId id="256" r:id="rId2"/>
+    <p:sldId id="257" r:id="rId3"/>
   </p:sldIdLst>
   <p:sldSz cx="12192000" cy="6858000"/>
   <p:notesSz cx="6858000" cy="9144000"/>
@@ -129,7 +130,7 @@
           <p:cNvPr id="2" name="제목 1">
             <a:extLst>
               <a:ext uri="{FF2B5EF4-FFF2-40B4-BE49-F238E27FC236}">
-                <a16:creationId xmlns:a16="http://schemas.microsoft.com/office/drawing/2014/main" id="{3F227CDC-2269-4AEC-8F4B-329CAB2951A1}"/>
+                <a16:creationId xmlns:a16="http://schemas.microsoft.com/office/drawing/2014/main" xmlns="" id="{3F227CDC-2269-4AEC-8F4B-329CAB2951A1}"/>
               </a:ext>
             </a:extLst>
           </p:cNvPr>
@@ -166,7 +167,7 @@
           <p:cNvPr id="3" name="부제목 2">
             <a:extLst>
               <a:ext uri="{FF2B5EF4-FFF2-40B4-BE49-F238E27FC236}">
-                <a16:creationId xmlns:a16="http://schemas.microsoft.com/office/drawing/2014/main" id="{C4B1C784-BAB5-4C5B-91BD-CD2184323B15}"/>
+                <a16:creationId xmlns:a16="http://schemas.microsoft.com/office/drawing/2014/main" xmlns="" id="{C4B1C784-BAB5-4C5B-91BD-CD2184323B15}"/>
               </a:ext>
             </a:extLst>
           </p:cNvPr>
@@ -236,7 +237,7 @@
           <p:cNvPr id="4" name="날짜 개체 틀 3">
             <a:extLst>
               <a:ext uri="{FF2B5EF4-FFF2-40B4-BE49-F238E27FC236}">
-                <a16:creationId xmlns:a16="http://schemas.microsoft.com/office/drawing/2014/main" id="{72DDE095-0FFB-4C83-8985-806DC95242FD}"/>
+                <a16:creationId xmlns:a16="http://schemas.microsoft.com/office/drawing/2014/main" xmlns="" id="{72DDE095-0FFB-4C83-8985-806DC95242FD}"/>
               </a:ext>
             </a:extLst>
           </p:cNvPr>
@@ -254,7 +255,7 @@
           <a:p>
             <a:fld id="{D564DB86-60BD-4A81-A396-7C024E02AFBB}" type="datetimeFigureOut">
               <a:rPr lang="ko-KR" altLang="en-US" smtClean="0"/>
-              <a:t>2020-09-27</a:t>
+              <a:t>2020-09-28</a:t>
             </a:fld>
             <a:endParaRPr lang="ko-KR" altLang="en-US"/>
           </a:p>
@@ -265,7 +266,7 @@
           <p:cNvPr id="5" name="바닥글 개체 틀 4">
             <a:extLst>
               <a:ext uri="{FF2B5EF4-FFF2-40B4-BE49-F238E27FC236}">
-                <a16:creationId xmlns:a16="http://schemas.microsoft.com/office/drawing/2014/main" id="{10EFBE3E-377A-4975-A79A-DC15CDB43718}"/>
+                <a16:creationId xmlns:a16="http://schemas.microsoft.com/office/drawing/2014/main" xmlns="" id="{10EFBE3E-377A-4975-A79A-DC15CDB43718}"/>
               </a:ext>
             </a:extLst>
           </p:cNvPr>
@@ -290,7 +291,7 @@
           <p:cNvPr id="6" name="슬라이드 번호 개체 틀 5">
             <a:extLst>
               <a:ext uri="{FF2B5EF4-FFF2-40B4-BE49-F238E27FC236}">
-                <a16:creationId xmlns:a16="http://schemas.microsoft.com/office/drawing/2014/main" id="{8EE2E620-A7E3-4305-834F-5F76B7AD6104}"/>
+                <a16:creationId xmlns:a16="http://schemas.microsoft.com/office/drawing/2014/main" xmlns="" id="{8EE2E620-A7E3-4305-834F-5F76B7AD6104}"/>
               </a:ext>
             </a:extLst>
           </p:cNvPr>
@@ -349,7 +350,7 @@
           <p:cNvPr id="2" name="제목 1">
             <a:extLst>
               <a:ext uri="{FF2B5EF4-FFF2-40B4-BE49-F238E27FC236}">
-                <a16:creationId xmlns:a16="http://schemas.microsoft.com/office/drawing/2014/main" id="{99623C94-DDCD-4E6F-9B0C-4CCCEB0A1E25}"/>
+                <a16:creationId xmlns:a16="http://schemas.microsoft.com/office/drawing/2014/main" xmlns="" id="{99623C94-DDCD-4E6F-9B0C-4CCCEB0A1E25}"/>
               </a:ext>
             </a:extLst>
           </p:cNvPr>
@@ -377,7 +378,7 @@
           <p:cNvPr id="3" name="세로 텍스트 개체 틀 2">
             <a:extLst>
               <a:ext uri="{FF2B5EF4-FFF2-40B4-BE49-F238E27FC236}">
-                <a16:creationId xmlns:a16="http://schemas.microsoft.com/office/drawing/2014/main" id="{8DE41D1E-A7D2-4F56-B4AB-C408F2969A6C}"/>
+                <a16:creationId xmlns:a16="http://schemas.microsoft.com/office/drawing/2014/main" xmlns="" id="{8DE41D1E-A7D2-4F56-B4AB-C408F2969A6C}"/>
               </a:ext>
             </a:extLst>
           </p:cNvPr>
@@ -434,7 +435,7 @@
           <p:cNvPr id="4" name="날짜 개체 틀 3">
             <a:extLst>
               <a:ext uri="{FF2B5EF4-FFF2-40B4-BE49-F238E27FC236}">
-                <a16:creationId xmlns:a16="http://schemas.microsoft.com/office/drawing/2014/main" id="{71A45736-0E93-4002-9A83-AC6EC4F89A0A}"/>
+                <a16:creationId xmlns:a16="http://schemas.microsoft.com/office/drawing/2014/main" xmlns="" id="{71A45736-0E93-4002-9A83-AC6EC4F89A0A}"/>
               </a:ext>
             </a:extLst>
           </p:cNvPr>
@@ -452,7 +453,7 @@
           <a:p>
             <a:fld id="{D564DB86-60BD-4A81-A396-7C024E02AFBB}" type="datetimeFigureOut">
               <a:rPr lang="ko-KR" altLang="en-US" smtClean="0"/>
-              <a:t>2020-09-27</a:t>
+              <a:t>2020-09-28</a:t>
             </a:fld>
             <a:endParaRPr lang="ko-KR" altLang="en-US"/>
           </a:p>
@@ -463,7 +464,7 @@
           <p:cNvPr id="5" name="바닥글 개체 틀 4">
             <a:extLst>
               <a:ext uri="{FF2B5EF4-FFF2-40B4-BE49-F238E27FC236}">
-                <a16:creationId xmlns:a16="http://schemas.microsoft.com/office/drawing/2014/main" id="{DD46C6EA-53A9-4E69-A3D3-E22C3776C68E}"/>
+                <a16:creationId xmlns:a16="http://schemas.microsoft.com/office/drawing/2014/main" xmlns="" id="{DD46C6EA-53A9-4E69-A3D3-E22C3776C68E}"/>
               </a:ext>
             </a:extLst>
           </p:cNvPr>
@@ -488,7 +489,7 @@
           <p:cNvPr id="6" name="슬라이드 번호 개체 틀 5">
             <a:extLst>
               <a:ext uri="{FF2B5EF4-FFF2-40B4-BE49-F238E27FC236}">
-                <a16:creationId xmlns:a16="http://schemas.microsoft.com/office/drawing/2014/main" id="{25700804-8F5B-4A1B-BFCB-81BC2D682CDC}"/>
+                <a16:creationId xmlns:a16="http://schemas.microsoft.com/office/drawing/2014/main" xmlns="" id="{25700804-8F5B-4A1B-BFCB-81BC2D682CDC}"/>
               </a:ext>
             </a:extLst>
           </p:cNvPr>
@@ -547,7 +548,7 @@
           <p:cNvPr id="2" name="세로 제목 1">
             <a:extLst>
               <a:ext uri="{FF2B5EF4-FFF2-40B4-BE49-F238E27FC236}">
-                <a16:creationId xmlns:a16="http://schemas.microsoft.com/office/drawing/2014/main" id="{46A02354-01A0-4974-9666-E2A3BF8E100C}"/>
+                <a16:creationId xmlns:a16="http://schemas.microsoft.com/office/drawing/2014/main" xmlns="" id="{46A02354-01A0-4974-9666-E2A3BF8E100C}"/>
               </a:ext>
             </a:extLst>
           </p:cNvPr>
@@ -580,7 +581,7 @@
           <p:cNvPr id="3" name="세로 텍스트 개체 틀 2">
             <a:extLst>
               <a:ext uri="{FF2B5EF4-FFF2-40B4-BE49-F238E27FC236}">
-                <a16:creationId xmlns:a16="http://schemas.microsoft.com/office/drawing/2014/main" id="{35FA88BA-A17D-4748-AA93-EE8FC3AA3530}"/>
+                <a16:creationId xmlns:a16="http://schemas.microsoft.com/office/drawing/2014/main" xmlns="" id="{35FA88BA-A17D-4748-AA93-EE8FC3AA3530}"/>
               </a:ext>
             </a:extLst>
           </p:cNvPr>
@@ -642,7 +643,7 @@
           <p:cNvPr id="4" name="날짜 개체 틀 3">
             <a:extLst>
               <a:ext uri="{FF2B5EF4-FFF2-40B4-BE49-F238E27FC236}">
-                <a16:creationId xmlns:a16="http://schemas.microsoft.com/office/drawing/2014/main" id="{972F773B-24C7-4F4E-B638-E37C9858CB47}"/>
+                <a16:creationId xmlns:a16="http://schemas.microsoft.com/office/drawing/2014/main" xmlns="" id="{972F773B-24C7-4F4E-B638-E37C9858CB47}"/>
               </a:ext>
             </a:extLst>
           </p:cNvPr>
@@ -660,7 +661,7 @@
           <a:p>
             <a:fld id="{D564DB86-60BD-4A81-A396-7C024E02AFBB}" type="datetimeFigureOut">
               <a:rPr lang="ko-KR" altLang="en-US" smtClean="0"/>
-              <a:t>2020-09-27</a:t>
+              <a:t>2020-09-28</a:t>
             </a:fld>
             <a:endParaRPr lang="ko-KR" altLang="en-US"/>
           </a:p>
@@ -671,7 +672,7 @@
           <p:cNvPr id="5" name="바닥글 개체 틀 4">
             <a:extLst>
               <a:ext uri="{FF2B5EF4-FFF2-40B4-BE49-F238E27FC236}">
-                <a16:creationId xmlns:a16="http://schemas.microsoft.com/office/drawing/2014/main" id="{FCD2D658-5AC5-49DD-ACB2-2C51C5F53AB0}"/>
+                <a16:creationId xmlns:a16="http://schemas.microsoft.com/office/drawing/2014/main" xmlns="" id="{FCD2D658-5AC5-49DD-ACB2-2C51C5F53AB0}"/>
               </a:ext>
             </a:extLst>
           </p:cNvPr>
@@ -696,7 +697,7 @@
           <p:cNvPr id="6" name="슬라이드 번호 개체 틀 5">
             <a:extLst>
               <a:ext uri="{FF2B5EF4-FFF2-40B4-BE49-F238E27FC236}">
-                <a16:creationId xmlns:a16="http://schemas.microsoft.com/office/drawing/2014/main" id="{8DA6D4BC-3FE6-4F52-8AF0-0C06542C268D}"/>
+                <a16:creationId xmlns:a16="http://schemas.microsoft.com/office/drawing/2014/main" xmlns="" id="{8DA6D4BC-3FE6-4F52-8AF0-0C06542C268D}"/>
               </a:ext>
             </a:extLst>
           </p:cNvPr>
@@ -755,7 +756,7 @@
           <p:cNvPr id="2" name="제목 1">
             <a:extLst>
               <a:ext uri="{FF2B5EF4-FFF2-40B4-BE49-F238E27FC236}">
-                <a16:creationId xmlns:a16="http://schemas.microsoft.com/office/drawing/2014/main" id="{AE7DB255-D3D5-4BD6-A120-656E6CEAA7CD}"/>
+                <a16:creationId xmlns:a16="http://schemas.microsoft.com/office/drawing/2014/main" xmlns="" id="{AE7DB255-D3D5-4BD6-A120-656E6CEAA7CD}"/>
               </a:ext>
             </a:extLst>
           </p:cNvPr>
@@ -783,7 +784,7 @@
           <p:cNvPr id="3" name="내용 개체 틀 2">
             <a:extLst>
               <a:ext uri="{FF2B5EF4-FFF2-40B4-BE49-F238E27FC236}">
-                <a16:creationId xmlns:a16="http://schemas.microsoft.com/office/drawing/2014/main" id="{C6685750-13BF-4BE8-A7AA-FCE1D6FC56E9}"/>
+                <a16:creationId xmlns:a16="http://schemas.microsoft.com/office/drawing/2014/main" xmlns="" id="{C6685750-13BF-4BE8-A7AA-FCE1D6FC56E9}"/>
               </a:ext>
             </a:extLst>
           </p:cNvPr>
@@ -840,7 +841,7 @@
           <p:cNvPr id="4" name="날짜 개체 틀 3">
             <a:extLst>
               <a:ext uri="{FF2B5EF4-FFF2-40B4-BE49-F238E27FC236}">
-                <a16:creationId xmlns:a16="http://schemas.microsoft.com/office/drawing/2014/main" id="{7D66BC02-C0CE-4A52-B514-9892EDA998A7}"/>
+                <a16:creationId xmlns:a16="http://schemas.microsoft.com/office/drawing/2014/main" xmlns="" id="{7D66BC02-C0CE-4A52-B514-9892EDA998A7}"/>
               </a:ext>
             </a:extLst>
           </p:cNvPr>
@@ -858,7 +859,7 @@
           <a:p>
             <a:fld id="{D564DB86-60BD-4A81-A396-7C024E02AFBB}" type="datetimeFigureOut">
               <a:rPr lang="ko-KR" altLang="en-US" smtClean="0"/>
-              <a:t>2020-09-27</a:t>
+              <a:t>2020-09-28</a:t>
             </a:fld>
             <a:endParaRPr lang="ko-KR" altLang="en-US"/>
           </a:p>
@@ -869,7 +870,7 @@
           <p:cNvPr id="5" name="바닥글 개체 틀 4">
             <a:extLst>
               <a:ext uri="{FF2B5EF4-FFF2-40B4-BE49-F238E27FC236}">
-                <a16:creationId xmlns:a16="http://schemas.microsoft.com/office/drawing/2014/main" id="{8B27710D-17BE-42DC-8AA8-6093E2A1A3B5}"/>
+                <a16:creationId xmlns:a16="http://schemas.microsoft.com/office/drawing/2014/main" xmlns="" id="{8B27710D-17BE-42DC-8AA8-6093E2A1A3B5}"/>
               </a:ext>
             </a:extLst>
           </p:cNvPr>
@@ -894,7 +895,7 @@
           <p:cNvPr id="6" name="슬라이드 번호 개체 틀 5">
             <a:extLst>
               <a:ext uri="{FF2B5EF4-FFF2-40B4-BE49-F238E27FC236}">
-                <a16:creationId xmlns:a16="http://schemas.microsoft.com/office/drawing/2014/main" id="{F4E153E9-40DE-4441-BFEC-E031936C81B8}"/>
+                <a16:creationId xmlns:a16="http://schemas.microsoft.com/office/drawing/2014/main" xmlns="" id="{F4E153E9-40DE-4441-BFEC-E031936C81B8}"/>
               </a:ext>
             </a:extLst>
           </p:cNvPr>
@@ -953,7 +954,7 @@
           <p:cNvPr id="2" name="제목 1">
             <a:extLst>
               <a:ext uri="{FF2B5EF4-FFF2-40B4-BE49-F238E27FC236}">
-                <a16:creationId xmlns:a16="http://schemas.microsoft.com/office/drawing/2014/main" id="{AB3E58CD-3717-4EF5-902D-6A803FB13D49}"/>
+                <a16:creationId xmlns:a16="http://schemas.microsoft.com/office/drawing/2014/main" xmlns="" id="{AB3E58CD-3717-4EF5-902D-6A803FB13D49}"/>
               </a:ext>
             </a:extLst>
           </p:cNvPr>
@@ -990,7 +991,7 @@
           <p:cNvPr id="3" name="텍스트 개체 틀 2">
             <a:extLst>
               <a:ext uri="{FF2B5EF4-FFF2-40B4-BE49-F238E27FC236}">
-                <a16:creationId xmlns:a16="http://schemas.microsoft.com/office/drawing/2014/main" id="{4EBE2369-F38B-4439-B1B0-58701BC50C49}"/>
+                <a16:creationId xmlns:a16="http://schemas.microsoft.com/office/drawing/2014/main" xmlns="" id="{4EBE2369-F38B-4439-B1B0-58701BC50C49}"/>
               </a:ext>
             </a:extLst>
           </p:cNvPr>
@@ -1115,7 +1116,7 @@
           <p:cNvPr id="4" name="날짜 개체 틀 3">
             <a:extLst>
               <a:ext uri="{FF2B5EF4-FFF2-40B4-BE49-F238E27FC236}">
-                <a16:creationId xmlns:a16="http://schemas.microsoft.com/office/drawing/2014/main" id="{1A87C9C7-E2CF-4A6F-8259-BB2BF6FFF93D}"/>
+                <a16:creationId xmlns:a16="http://schemas.microsoft.com/office/drawing/2014/main" xmlns="" id="{1A87C9C7-E2CF-4A6F-8259-BB2BF6FFF93D}"/>
               </a:ext>
             </a:extLst>
           </p:cNvPr>
@@ -1133,7 +1134,7 @@
           <a:p>
             <a:fld id="{D564DB86-60BD-4A81-A396-7C024E02AFBB}" type="datetimeFigureOut">
               <a:rPr lang="ko-KR" altLang="en-US" smtClean="0"/>
-              <a:t>2020-09-27</a:t>
+              <a:t>2020-09-28</a:t>
             </a:fld>
             <a:endParaRPr lang="ko-KR" altLang="en-US"/>
           </a:p>
@@ -1144,7 +1145,7 @@
           <p:cNvPr id="5" name="바닥글 개체 틀 4">
             <a:extLst>
               <a:ext uri="{FF2B5EF4-FFF2-40B4-BE49-F238E27FC236}">
-                <a16:creationId xmlns:a16="http://schemas.microsoft.com/office/drawing/2014/main" id="{5BA69174-6EF0-4AA3-89A6-8F5D02E8C844}"/>
+                <a16:creationId xmlns:a16="http://schemas.microsoft.com/office/drawing/2014/main" xmlns="" id="{5BA69174-6EF0-4AA3-89A6-8F5D02E8C844}"/>
               </a:ext>
             </a:extLst>
           </p:cNvPr>
@@ -1169,7 +1170,7 @@
           <p:cNvPr id="6" name="슬라이드 번호 개체 틀 5">
             <a:extLst>
               <a:ext uri="{FF2B5EF4-FFF2-40B4-BE49-F238E27FC236}">
-                <a16:creationId xmlns:a16="http://schemas.microsoft.com/office/drawing/2014/main" id="{06DA320C-9AA6-4ADE-85F7-940C1C55B752}"/>
+                <a16:creationId xmlns:a16="http://schemas.microsoft.com/office/drawing/2014/main" xmlns="" id="{06DA320C-9AA6-4ADE-85F7-940C1C55B752}"/>
               </a:ext>
             </a:extLst>
           </p:cNvPr>
@@ -1228,7 +1229,7 @@
           <p:cNvPr id="2" name="제목 1">
             <a:extLst>
               <a:ext uri="{FF2B5EF4-FFF2-40B4-BE49-F238E27FC236}">
-                <a16:creationId xmlns:a16="http://schemas.microsoft.com/office/drawing/2014/main" id="{043D86B6-E042-4B01-A334-D802EB985B1B}"/>
+                <a16:creationId xmlns:a16="http://schemas.microsoft.com/office/drawing/2014/main" xmlns="" id="{043D86B6-E042-4B01-A334-D802EB985B1B}"/>
               </a:ext>
             </a:extLst>
           </p:cNvPr>
@@ -1256,7 +1257,7 @@
           <p:cNvPr id="3" name="내용 개체 틀 2">
             <a:extLst>
               <a:ext uri="{FF2B5EF4-FFF2-40B4-BE49-F238E27FC236}">
-                <a16:creationId xmlns:a16="http://schemas.microsoft.com/office/drawing/2014/main" id="{7F9024B9-38C3-4BC4-90A5-09E74B91329B}"/>
+                <a16:creationId xmlns:a16="http://schemas.microsoft.com/office/drawing/2014/main" xmlns="" id="{7F9024B9-38C3-4BC4-90A5-09E74B91329B}"/>
               </a:ext>
             </a:extLst>
           </p:cNvPr>
@@ -1318,7 +1319,7 @@
           <p:cNvPr id="4" name="내용 개체 틀 3">
             <a:extLst>
               <a:ext uri="{FF2B5EF4-FFF2-40B4-BE49-F238E27FC236}">
-                <a16:creationId xmlns:a16="http://schemas.microsoft.com/office/drawing/2014/main" id="{F0B554A1-B77D-40AA-8691-E4D582C17A01}"/>
+                <a16:creationId xmlns:a16="http://schemas.microsoft.com/office/drawing/2014/main" xmlns="" id="{F0B554A1-B77D-40AA-8691-E4D582C17A01}"/>
               </a:ext>
             </a:extLst>
           </p:cNvPr>
@@ -1380,7 +1381,7 @@
           <p:cNvPr id="5" name="날짜 개체 틀 4">
             <a:extLst>
               <a:ext uri="{FF2B5EF4-FFF2-40B4-BE49-F238E27FC236}">
-                <a16:creationId xmlns:a16="http://schemas.microsoft.com/office/drawing/2014/main" id="{EBD23593-B2F1-4BF8-85CF-45894043AA13}"/>
+                <a16:creationId xmlns:a16="http://schemas.microsoft.com/office/drawing/2014/main" xmlns="" id="{EBD23593-B2F1-4BF8-85CF-45894043AA13}"/>
               </a:ext>
             </a:extLst>
           </p:cNvPr>
@@ -1398,7 +1399,7 @@
           <a:p>
             <a:fld id="{D564DB86-60BD-4A81-A396-7C024E02AFBB}" type="datetimeFigureOut">
               <a:rPr lang="ko-KR" altLang="en-US" smtClean="0"/>
-              <a:t>2020-09-27</a:t>
+              <a:t>2020-09-28</a:t>
             </a:fld>
             <a:endParaRPr lang="ko-KR" altLang="en-US"/>
           </a:p>
@@ -1409,7 +1410,7 @@
           <p:cNvPr id="6" name="바닥글 개체 틀 5">
             <a:extLst>
               <a:ext uri="{FF2B5EF4-FFF2-40B4-BE49-F238E27FC236}">
-                <a16:creationId xmlns:a16="http://schemas.microsoft.com/office/drawing/2014/main" id="{827FAC73-624B-4274-89C6-9011E86D1954}"/>
+                <a16:creationId xmlns:a16="http://schemas.microsoft.com/office/drawing/2014/main" xmlns="" id="{827FAC73-624B-4274-89C6-9011E86D1954}"/>
               </a:ext>
             </a:extLst>
           </p:cNvPr>
@@ -1434,7 +1435,7 @@
           <p:cNvPr id="7" name="슬라이드 번호 개체 틀 6">
             <a:extLst>
               <a:ext uri="{FF2B5EF4-FFF2-40B4-BE49-F238E27FC236}">
-                <a16:creationId xmlns:a16="http://schemas.microsoft.com/office/drawing/2014/main" id="{A8B90DFD-2482-47B2-B476-B46B23240771}"/>
+                <a16:creationId xmlns:a16="http://schemas.microsoft.com/office/drawing/2014/main" xmlns="" id="{A8B90DFD-2482-47B2-B476-B46B23240771}"/>
               </a:ext>
             </a:extLst>
           </p:cNvPr>
@@ -1493,7 +1494,7 @@
           <p:cNvPr id="2" name="제목 1">
             <a:extLst>
               <a:ext uri="{FF2B5EF4-FFF2-40B4-BE49-F238E27FC236}">
-                <a16:creationId xmlns:a16="http://schemas.microsoft.com/office/drawing/2014/main" id="{7B51CF50-ABF0-46AF-89EA-7C8431DFC64D}"/>
+                <a16:creationId xmlns:a16="http://schemas.microsoft.com/office/drawing/2014/main" xmlns="" id="{7B51CF50-ABF0-46AF-89EA-7C8431DFC64D}"/>
               </a:ext>
             </a:extLst>
           </p:cNvPr>
@@ -1526,7 +1527,7 @@
           <p:cNvPr id="3" name="텍스트 개체 틀 2">
             <a:extLst>
               <a:ext uri="{FF2B5EF4-FFF2-40B4-BE49-F238E27FC236}">
-                <a16:creationId xmlns:a16="http://schemas.microsoft.com/office/drawing/2014/main" id="{C93A5822-F92F-4115-8A5B-855952431DED}"/>
+                <a16:creationId xmlns:a16="http://schemas.microsoft.com/office/drawing/2014/main" xmlns="" id="{C93A5822-F92F-4115-8A5B-855952431DED}"/>
               </a:ext>
             </a:extLst>
           </p:cNvPr>
@@ -1597,7 +1598,7 @@
           <p:cNvPr id="4" name="내용 개체 틀 3">
             <a:extLst>
               <a:ext uri="{FF2B5EF4-FFF2-40B4-BE49-F238E27FC236}">
-                <a16:creationId xmlns:a16="http://schemas.microsoft.com/office/drawing/2014/main" id="{17A36D8C-B9BF-4BCC-818B-93BDCA34A172}"/>
+                <a16:creationId xmlns:a16="http://schemas.microsoft.com/office/drawing/2014/main" xmlns="" id="{17A36D8C-B9BF-4BCC-818B-93BDCA34A172}"/>
               </a:ext>
             </a:extLst>
           </p:cNvPr>
@@ -1659,7 +1660,7 @@
           <p:cNvPr id="5" name="텍스트 개체 틀 4">
             <a:extLst>
               <a:ext uri="{FF2B5EF4-FFF2-40B4-BE49-F238E27FC236}">
-                <a16:creationId xmlns:a16="http://schemas.microsoft.com/office/drawing/2014/main" id="{928C1759-0D1D-46FB-BF07-AD4FDE1BC483}"/>
+                <a16:creationId xmlns:a16="http://schemas.microsoft.com/office/drawing/2014/main" xmlns="" id="{928C1759-0D1D-46FB-BF07-AD4FDE1BC483}"/>
               </a:ext>
             </a:extLst>
           </p:cNvPr>
@@ -1730,7 +1731,7 @@
           <p:cNvPr id="6" name="내용 개체 틀 5">
             <a:extLst>
               <a:ext uri="{FF2B5EF4-FFF2-40B4-BE49-F238E27FC236}">
-                <a16:creationId xmlns:a16="http://schemas.microsoft.com/office/drawing/2014/main" id="{6C111AC5-83AB-4BA1-9C16-F4370740A237}"/>
+                <a16:creationId xmlns:a16="http://schemas.microsoft.com/office/drawing/2014/main" xmlns="" id="{6C111AC5-83AB-4BA1-9C16-F4370740A237}"/>
               </a:ext>
             </a:extLst>
           </p:cNvPr>
@@ -1792,7 +1793,7 @@
           <p:cNvPr id="7" name="날짜 개체 틀 6">
             <a:extLst>
               <a:ext uri="{FF2B5EF4-FFF2-40B4-BE49-F238E27FC236}">
-                <a16:creationId xmlns:a16="http://schemas.microsoft.com/office/drawing/2014/main" id="{5460CBF9-7692-49CB-8A7A-F42B9C5A24A5}"/>
+                <a16:creationId xmlns:a16="http://schemas.microsoft.com/office/drawing/2014/main" xmlns="" id="{5460CBF9-7692-49CB-8A7A-F42B9C5A24A5}"/>
               </a:ext>
             </a:extLst>
           </p:cNvPr>
@@ -1810,7 +1811,7 @@
           <a:p>
             <a:fld id="{D564DB86-60BD-4A81-A396-7C024E02AFBB}" type="datetimeFigureOut">
               <a:rPr lang="ko-KR" altLang="en-US" smtClean="0"/>
-              <a:t>2020-09-27</a:t>
+              <a:t>2020-09-28</a:t>
             </a:fld>
             <a:endParaRPr lang="ko-KR" altLang="en-US"/>
           </a:p>
@@ -1821,7 +1822,7 @@
           <p:cNvPr id="8" name="바닥글 개체 틀 7">
             <a:extLst>
               <a:ext uri="{FF2B5EF4-FFF2-40B4-BE49-F238E27FC236}">
-                <a16:creationId xmlns:a16="http://schemas.microsoft.com/office/drawing/2014/main" id="{A1D380E5-087D-459F-AD5C-0861EF3D4189}"/>
+                <a16:creationId xmlns:a16="http://schemas.microsoft.com/office/drawing/2014/main" xmlns="" id="{A1D380E5-087D-459F-AD5C-0861EF3D4189}"/>
               </a:ext>
             </a:extLst>
           </p:cNvPr>
@@ -1846,7 +1847,7 @@
           <p:cNvPr id="9" name="슬라이드 번호 개체 틀 8">
             <a:extLst>
               <a:ext uri="{FF2B5EF4-FFF2-40B4-BE49-F238E27FC236}">
-                <a16:creationId xmlns:a16="http://schemas.microsoft.com/office/drawing/2014/main" id="{2C3DE043-488C-4BFB-B9CB-2643182E6EA5}"/>
+                <a16:creationId xmlns:a16="http://schemas.microsoft.com/office/drawing/2014/main" xmlns="" id="{2C3DE043-488C-4BFB-B9CB-2643182E6EA5}"/>
               </a:ext>
             </a:extLst>
           </p:cNvPr>
@@ -1905,7 +1906,7 @@
           <p:cNvPr id="2" name="제목 1">
             <a:extLst>
               <a:ext uri="{FF2B5EF4-FFF2-40B4-BE49-F238E27FC236}">
-                <a16:creationId xmlns:a16="http://schemas.microsoft.com/office/drawing/2014/main" id="{1C91273C-BC4B-4D0E-BEBB-5A59C0736C1F}"/>
+                <a16:creationId xmlns:a16="http://schemas.microsoft.com/office/drawing/2014/main" xmlns="" id="{1C91273C-BC4B-4D0E-BEBB-5A59C0736C1F}"/>
               </a:ext>
             </a:extLst>
           </p:cNvPr>
@@ -1933,7 +1934,7 @@
           <p:cNvPr id="3" name="날짜 개체 틀 2">
             <a:extLst>
               <a:ext uri="{FF2B5EF4-FFF2-40B4-BE49-F238E27FC236}">
-                <a16:creationId xmlns:a16="http://schemas.microsoft.com/office/drawing/2014/main" id="{9161583B-2E29-44E1-98CF-28E52525DBBB}"/>
+                <a16:creationId xmlns:a16="http://schemas.microsoft.com/office/drawing/2014/main" xmlns="" id="{9161583B-2E29-44E1-98CF-28E52525DBBB}"/>
               </a:ext>
             </a:extLst>
           </p:cNvPr>
@@ -1951,7 +1952,7 @@
           <a:p>
             <a:fld id="{D564DB86-60BD-4A81-A396-7C024E02AFBB}" type="datetimeFigureOut">
               <a:rPr lang="ko-KR" altLang="en-US" smtClean="0"/>
-              <a:t>2020-09-27</a:t>
+              <a:t>2020-09-28</a:t>
             </a:fld>
             <a:endParaRPr lang="ko-KR" altLang="en-US"/>
           </a:p>
@@ -1962,7 +1963,7 @@
           <p:cNvPr id="4" name="바닥글 개체 틀 3">
             <a:extLst>
               <a:ext uri="{FF2B5EF4-FFF2-40B4-BE49-F238E27FC236}">
-                <a16:creationId xmlns:a16="http://schemas.microsoft.com/office/drawing/2014/main" id="{4C94EB37-9E92-4C26-BD30-CF0719E2985E}"/>
+                <a16:creationId xmlns:a16="http://schemas.microsoft.com/office/drawing/2014/main" xmlns="" id="{4C94EB37-9E92-4C26-BD30-CF0719E2985E}"/>
               </a:ext>
             </a:extLst>
           </p:cNvPr>
@@ -1987,7 +1988,7 @@
           <p:cNvPr id="5" name="슬라이드 번호 개체 틀 4">
             <a:extLst>
               <a:ext uri="{FF2B5EF4-FFF2-40B4-BE49-F238E27FC236}">
-                <a16:creationId xmlns:a16="http://schemas.microsoft.com/office/drawing/2014/main" id="{F9C9B847-9ECB-4818-BF2A-9810EE2D9D2E}"/>
+                <a16:creationId xmlns:a16="http://schemas.microsoft.com/office/drawing/2014/main" xmlns="" id="{F9C9B847-9ECB-4818-BF2A-9810EE2D9D2E}"/>
               </a:ext>
             </a:extLst>
           </p:cNvPr>
@@ -2046,7 +2047,7 @@
           <p:cNvPr id="2" name="날짜 개체 틀 1">
             <a:extLst>
               <a:ext uri="{FF2B5EF4-FFF2-40B4-BE49-F238E27FC236}">
-                <a16:creationId xmlns:a16="http://schemas.microsoft.com/office/drawing/2014/main" id="{6E2701F3-9336-49BA-A718-C5AB2FC0AB9B}"/>
+                <a16:creationId xmlns:a16="http://schemas.microsoft.com/office/drawing/2014/main" xmlns="" id="{6E2701F3-9336-49BA-A718-C5AB2FC0AB9B}"/>
               </a:ext>
             </a:extLst>
           </p:cNvPr>
@@ -2064,7 +2065,7 @@
           <a:p>
             <a:fld id="{D564DB86-60BD-4A81-A396-7C024E02AFBB}" type="datetimeFigureOut">
               <a:rPr lang="ko-KR" altLang="en-US" smtClean="0"/>
-              <a:t>2020-09-27</a:t>
+              <a:t>2020-09-28</a:t>
             </a:fld>
             <a:endParaRPr lang="ko-KR" altLang="en-US"/>
           </a:p>
@@ -2075,7 +2076,7 @@
           <p:cNvPr id="3" name="바닥글 개체 틀 2">
             <a:extLst>
               <a:ext uri="{FF2B5EF4-FFF2-40B4-BE49-F238E27FC236}">
-                <a16:creationId xmlns:a16="http://schemas.microsoft.com/office/drawing/2014/main" id="{B609BFFB-EE9A-4EF4-9803-13E893B1BF1D}"/>
+                <a16:creationId xmlns:a16="http://schemas.microsoft.com/office/drawing/2014/main" xmlns="" id="{B609BFFB-EE9A-4EF4-9803-13E893B1BF1D}"/>
               </a:ext>
             </a:extLst>
           </p:cNvPr>
@@ -2100,7 +2101,7 @@
           <p:cNvPr id="4" name="슬라이드 번호 개체 틀 3">
             <a:extLst>
               <a:ext uri="{FF2B5EF4-FFF2-40B4-BE49-F238E27FC236}">
-                <a16:creationId xmlns:a16="http://schemas.microsoft.com/office/drawing/2014/main" id="{C8E109D6-CE42-4E2F-8CC1-2EF1D80F1893}"/>
+                <a16:creationId xmlns:a16="http://schemas.microsoft.com/office/drawing/2014/main" xmlns="" id="{C8E109D6-CE42-4E2F-8CC1-2EF1D80F1893}"/>
               </a:ext>
             </a:extLst>
           </p:cNvPr>
@@ -2159,7 +2160,7 @@
           <p:cNvPr id="2" name="제목 1">
             <a:extLst>
               <a:ext uri="{FF2B5EF4-FFF2-40B4-BE49-F238E27FC236}">
-                <a16:creationId xmlns:a16="http://schemas.microsoft.com/office/drawing/2014/main" id="{8133B650-19F7-4C19-BEE4-43310775B6AE}"/>
+                <a16:creationId xmlns:a16="http://schemas.microsoft.com/office/drawing/2014/main" xmlns="" id="{8133B650-19F7-4C19-BEE4-43310775B6AE}"/>
               </a:ext>
             </a:extLst>
           </p:cNvPr>
@@ -2196,7 +2197,7 @@
           <p:cNvPr id="3" name="내용 개체 틀 2">
             <a:extLst>
               <a:ext uri="{FF2B5EF4-FFF2-40B4-BE49-F238E27FC236}">
-                <a16:creationId xmlns:a16="http://schemas.microsoft.com/office/drawing/2014/main" id="{89BEDACE-B84E-467C-8C7F-C55692A5D050}"/>
+                <a16:creationId xmlns:a16="http://schemas.microsoft.com/office/drawing/2014/main" xmlns="" id="{89BEDACE-B84E-467C-8C7F-C55692A5D050}"/>
               </a:ext>
             </a:extLst>
           </p:cNvPr>
@@ -2286,7 +2287,7 @@
           <p:cNvPr id="4" name="텍스트 개체 틀 3">
             <a:extLst>
               <a:ext uri="{FF2B5EF4-FFF2-40B4-BE49-F238E27FC236}">
-                <a16:creationId xmlns:a16="http://schemas.microsoft.com/office/drawing/2014/main" id="{B0B3B5F5-ED80-4BDB-9162-097884477F6B}"/>
+                <a16:creationId xmlns:a16="http://schemas.microsoft.com/office/drawing/2014/main" xmlns="" id="{B0B3B5F5-ED80-4BDB-9162-097884477F6B}"/>
               </a:ext>
             </a:extLst>
           </p:cNvPr>
@@ -2357,7 +2358,7 @@
           <p:cNvPr id="5" name="날짜 개체 틀 4">
             <a:extLst>
               <a:ext uri="{FF2B5EF4-FFF2-40B4-BE49-F238E27FC236}">
-                <a16:creationId xmlns:a16="http://schemas.microsoft.com/office/drawing/2014/main" id="{3B143C0A-24A9-4C42-81B2-0C7689917DF4}"/>
+                <a16:creationId xmlns:a16="http://schemas.microsoft.com/office/drawing/2014/main" xmlns="" id="{3B143C0A-24A9-4C42-81B2-0C7689917DF4}"/>
               </a:ext>
             </a:extLst>
           </p:cNvPr>
@@ -2375,7 +2376,7 @@
           <a:p>
             <a:fld id="{D564DB86-60BD-4A81-A396-7C024E02AFBB}" type="datetimeFigureOut">
               <a:rPr lang="ko-KR" altLang="en-US" smtClean="0"/>
-              <a:t>2020-09-27</a:t>
+              <a:t>2020-09-28</a:t>
             </a:fld>
             <a:endParaRPr lang="ko-KR" altLang="en-US"/>
           </a:p>
@@ -2386,7 +2387,7 @@
           <p:cNvPr id="6" name="바닥글 개체 틀 5">
             <a:extLst>
               <a:ext uri="{FF2B5EF4-FFF2-40B4-BE49-F238E27FC236}">
-                <a16:creationId xmlns:a16="http://schemas.microsoft.com/office/drawing/2014/main" id="{B9B01816-675A-48B5-BB48-036B6804AF7C}"/>
+                <a16:creationId xmlns:a16="http://schemas.microsoft.com/office/drawing/2014/main" xmlns="" id="{B9B01816-675A-48B5-BB48-036B6804AF7C}"/>
               </a:ext>
             </a:extLst>
           </p:cNvPr>
@@ -2411,7 +2412,7 @@
           <p:cNvPr id="7" name="슬라이드 번호 개체 틀 6">
             <a:extLst>
               <a:ext uri="{FF2B5EF4-FFF2-40B4-BE49-F238E27FC236}">
-                <a16:creationId xmlns:a16="http://schemas.microsoft.com/office/drawing/2014/main" id="{17047BD0-F143-4E02-8D3E-78CA5F3414FF}"/>
+                <a16:creationId xmlns:a16="http://schemas.microsoft.com/office/drawing/2014/main" xmlns="" id="{17047BD0-F143-4E02-8D3E-78CA5F3414FF}"/>
               </a:ext>
             </a:extLst>
           </p:cNvPr>
@@ -2470,7 +2471,7 @@
           <p:cNvPr id="2" name="제목 1">
             <a:extLst>
               <a:ext uri="{FF2B5EF4-FFF2-40B4-BE49-F238E27FC236}">
-                <a16:creationId xmlns:a16="http://schemas.microsoft.com/office/drawing/2014/main" id="{1D007485-2825-42F3-8943-AE5CCF868D22}"/>
+                <a16:creationId xmlns:a16="http://schemas.microsoft.com/office/drawing/2014/main" xmlns="" id="{1D007485-2825-42F3-8943-AE5CCF868D22}"/>
               </a:ext>
             </a:extLst>
           </p:cNvPr>
@@ -2507,7 +2508,7 @@
           <p:cNvPr id="3" name="그림 개체 틀 2">
             <a:extLst>
               <a:ext uri="{FF2B5EF4-FFF2-40B4-BE49-F238E27FC236}">
-                <a16:creationId xmlns:a16="http://schemas.microsoft.com/office/drawing/2014/main" id="{AC37CEDC-87B6-4CAA-849D-C9ECF32EEFDB}"/>
+                <a16:creationId xmlns:a16="http://schemas.microsoft.com/office/drawing/2014/main" xmlns="" id="{AC37CEDC-87B6-4CAA-849D-C9ECF32EEFDB}"/>
               </a:ext>
             </a:extLst>
           </p:cNvPr>
@@ -2574,7 +2575,7 @@
           <p:cNvPr id="4" name="텍스트 개체 틀 3">
             <a:extLst>
               <a:ext uri="{FF2B5EF4-FFF2-40B4-BE49-F238E27FC236}">
-                <a16:creationId xmlns:a16="http://schemas.microsoft.com/office/drawing/2014/main" id="{00B631AF-9153-4C96-9BC7-7DDC403D89D9}"/>
+                <a16:creationId xmlns:a16="http://schemas.microsoft.com/office/drawing/2014/main" xmlns="" id="{00B631AF-9153-4C96-9BC7-7DDC403D89D9}"/>
               </a:ext>
             </a:extLst>
           </p:cNvPr>
@@ -2645,7 +2646,7 @@
           <p:cNvPr id="5" name="날짜 개체 틀 4">
             <a:extLst>
               <a:ext uri="{FF2B5EF4-FFF2-40B4-BE49-F238E27FC236}">
-                <a16:creationId xmlns:a16="http://schemas.microsoft.com/office/drawing/2014/main" id="{6855EDEC-2DCB-4854-B30F-EEBB19B52E4A}"/>
+                <a16:creationId xmlns:a16="http://schemas.microsoft.com/office/drawing/2014/main" xmlns="" id="{6855EDEC-2DCB-4854-B30F-EEBB19B52E4A}"/>
               </a:ext>
             </a:extLst>
           </p:cNvPr>
@@ -2663,7 +2664,7 @@
           <a:p>
             <a:fld id="{D564DB86-60BD-4A81-A396-7C024E02AFBB}" type="datetimeFigureOut">
               <a:rPr lang="ko-KR" altLang="en-US" smtClean="0"/>
-              <a:t>2020-09-27</a:t>
+              <a:t>2020-09-28</a:t>
             </a:fld>
             <a:endParaRPr lang="ko-KR" altLang="en-US"/>
           </a:p>
@@ -2674,7 +2675,7 @@
           <p:cNvPr id="6" name="바닥글 개체 틀 5">
             <a:extLst>
               <a:ext uri="{FF2B5EF4-FFF2-40B4-BE49-F238E27FC236}">
-                <a16:creationId xmlns:a16="http://schemas.microsoft.com/office/drawing/2014/main" id="{CC96EA9A-82D9-4527-81AE-39848B7066F0}"/>
+                <a16:creationId xmlns:a16="http://schemas.microsoft.com/office/drawing/2014/main" xmlns="" id="{CC96EA9A-82D9-4527-81AE-39848B7066F0}"/>
               </a:ext>
             </a:extLst>
           </p:cNvPr>
@@ -2699,7 +2700,7 @@
           <p:cNvPr id="7" name="슬라이드 번호 개체 틀 6">
             <a:extLst>
               <a:ext uri="{FF2B5EF4-FFF2-40B4-BE49-F238E27FC236}">
-                <a16:creationId xmlns:a16="http://schemas.microsoft.com/office/drawing/2014/main" id="{40E8A463-78CD-4B67-91F8-CB63954E6255}"/>
+                <a16:creationId xmlns:a16="http://schemas.microsoft.com/office/drawing/2014/main" xmlns="" id="{40E8A463-78CD-4B67-91F8-CB63954E6255}"/>
               </a:ext>
             </a:extLst>
           </p:cNvPr>
@@ -2763,7 +2764,7 @@
           <p:cNvPr id="2" name="제목 개체 틀 1">
             <a:extLst>
               <a:ext uri="{FF2B5EF4-FFF2-40B4-BE49-F238E27FC236}">
-                <a16:creationId xmlns:a16="http://schemas.microsoft.com/office/drawing/2014/main" id="{B93FC62D-8329-4235-AC27-C94BBE599785}"/>
+                <a16:creationId xmlns:a16="http://schemas.microsoft.com/office/drawing/2014/main" xmlns="" id="{B93FC62D-8329-4235-AC27-C94BBE599785}"/>
               </a:ext>
             </a:extLst>
           </p:cNvPr>
@@ -2801,7 +2802,7 @@
           <p:cNvPr id="3" name="텍스트 개체 틀 2">
             <a:extLst>
               <a:ext uri="{FF2B5EF4-FFF2-40B4-BE49-F238E27FC236}">
-                <a16:creationId xmlns:a16="http://schemas.microsoft.com/office/drawing/2014/main" id="{1A463984-BFF7-4352-BAB1-854BA02F5E83}"/>
+                <a16:creationId xmlns:a16="http://schemas.microsoft.com/office/drawing/2014/main" xmlns="" id="{1A463984-BFF7-4352-BAB1-854BA02F5E83}"/>
               </a:ext>
             </a:extLst>
           </p:cNvPr>
@@ -2868,7 +2869,7 @@
           <p:cNvPr id="4" name="날짜 개체 틀 3">
             <a:extLst>
               <a:ext uri="{FF2B5EF4-FFF2-40B4-BE49-F238E27FC236}">
-                <a16:creationId xmlns:a16="http://schemas.microsoft.com/office/drawing/2014/main" id="{F8CAB12C-E590-4040-ACE9-061B2C5DB971}"/>
+                <a16:creationId xmlns:a16="http://schemas.microsoft.com/office/drawing/2014/main" xmlns="" id="{F8CAB12C-E590-4040-ACE9-061B2C5DB971}"/>
               </a:ext>
             </a:extLst>
           </p:cNvPr>
@@ -2904,7 +2905,7 @@
           <a:p>
             <a:fld id="{D564DB86-60BD-4A81-A396-7C024E02AFBB}" type="datetimeFigureOut">
               <a:rPr lang="ko-KR" altLang="en-US" smtClean="0"/>
-              <a:t>2020-09-27</a:t>
+              <a:t>2020-09-28</a:t>
             </a:fld>
             <a:endParaRPr lang="ko-KR" altLang="en-US"/>
           </a:p>
@@ -2915,7 +2916,7 @@
           <p:cNvPr id="5" name="바닥글 개체 틀 4">
             <a:extLst>
               <a:ext uri="{FF2B5EF4-FFF2-40B4-BE49-F238E27FC236}">
-                <a16:creationId xmlns:a16="http://schemas.microsoft.com/office/drawing/2014/main" id="{71FBFF68-9442-4B0D-AEEE-EE6F7B7F2922}"/>
+                <a16:creationId xmlns:a16="http://schemas.microsoft.com/office/drawing/2014/main" xmlns="" id="{71FBFF68-9442-4B0D-AEEE-EE6F7B7F2922}"/>
               </a:ext>
             </a:extLst>
           </p:cNvPr>
@@ -2958,7 +2959,7 @@
           <p:cNvPr id="6" name="슬라이드 번호 개체 틀 5">
             <a:extLst>
               <a:ext uri="{FF2B5EF4-FFF2-40B4-BE49-F238E27FC236}">
-                <a16:creationId xmlns:a16="http://schemas.microsoft.com/office/drawing/2014/main" id="{0B35D23D-D11A-4F56-BD4D-715B048016F2}"/>
+                <a16:creationId xmlns:a16="http://schemas.microsoft.com/office/drawing/2014/main" xmlns="" id="{0B35D23D-D11A-4F56-BD4D-715B048016F2}"/>
               </a:ext>
             </a:extLst>
           </p:cNvPr>
@@ -3326,7 +3327,7 @@
           <p:cNvPr id="6" name="타원 5">
             <a:extLst>
               <a:ext uri="{FF2B5EF4-FFF2-40B4-BE49-F238E27FC236}">
-                <a16:creationId xmlns:a16="http://schemas.microsoft.com/office/drawing/2014/main" id="{4471BDEA-CFAE-4B1E-91C0-43EE31066393}"/>
+                <a16:creationId xmlns:a16="http://schemas.microsoft.com/office/drawing/2014/main" xmlns="" id="{4471BDEA-CFAE-4B1E-91C0-43EE31066393}"/>
               </a:ext>
             </a:extLst>
           </p:cNvPr>
@@ -3378,7 +3379,7 @@
           <p:cNvPr id="7" name="타원 6">
             <a:extLst>
               <a:ext uri="{FF2B5EF4-FFF2-40B4-BE49-F238E27FC236}">
-                <a16:creationId xmlns:a16="http://schemas.microsoft.com/office/drawing/2014/main" id="{E7AA7ED6-5E32-47CB-85B1-B922466FFD1E}"/>
+                <a16:creationId xmlns:a16="http://schemas.microsoft.com/office/drawing/2014/main" xmlns="" id="{E7AA7ED6-5E32-47CB-85B1-B922466FFD1E}"/>
               </a:ext>
             </a:extLst>
           </p:cNvPr>
@@ -3430,7 +3431,7 @@
           <p:cNvPr id="8" name="타원 7">
             <a:extLst>
               <a:ext uri="{FF2B5EF4-FFF2-40B4-BE49-F238E27FC236}">
-                <a16:creationId xmlns:a16="http://schemas.microsoft.com/office/drawing/2014/main" id="{0501F9F5-E4A9-47E4-95CB-0370645241CA}"/>
+                <a16:creationId xmlns:a16="http://schemas.microsoft.com/office/drawing/2014/main" xmlns="" id="{0501F9F5-E4A9-47E4-95CB-0370645241CA}"/>
               </a:ext>
             </a:extLst>
           </p:cNvPr>
@@ -3482,7 +3483,7 @@
           <p:cNvPr id="9" name="타원 8">
             <a:extLst>
               <a:ext uri="{FF2B5EF4-FFF2-40B4-BE49-F238E27FC236}">
-                <a16:creationId xmlns:a16="http://schemas.microsoft.com/office/drawing/2014/main" id="{E12C05CD-D62D-4F16-A730-EC733C2CD563}"/>
+                <a16:creationId xmlns:a16="http://schemas.microsoft.com/office/drawing/2014/main" xmlns="" id="{E12C05CD-D62D-4F16-A730-EC733C2CD563}"/>
               </a:ext>
             </a:extLst>
           </p:cNvPr>
@@ -3534,7 +3535,7 @@
           <p:cNvPr id="10" name="타원 9">
             <a:extLst>
               <a:ext uri="{FF2B5EF4-FFF2-40B4-BE49-F238E27FC236}">
-                <a16:creationId xmlns:a16="http://schemas.microsoft.com/office/drawing/2014/main" id="{3326FD68-10ED-4FC7-91A2-1129633546A9}"/>
+                <a16:creationId xmlns:a16="http://schemas.microsoft.com/office/drawing/2014/main" xmlns="" id="{3326FD68-10ED-4FC7-91A2-1129633546A9}"/>
               </a:ext>
             </a:extLst>
           </p:cNvPr>
@@ -3586,7 +3587,7 @@
           <p:cNvPr id="11" name="타원 10">
             <a:extLst>
               <a:ext uri="{FF2B5EF4-FFF2-40B4-BE49-F238E27FC236}">
-                <a16:creationId xmlns:a16="http://schemas.microsoft.com/office/drawing/2014/main" id="{E2CECE54-E239-4C08-9DD7-B33C83BD7B9A}"/>
+                <a16:creationId xmlns:a16="http://schemas.microsoft.com/office/drawing/2014/main" xmlns="" id="{E2CECE54-E239-4C08-9DD7-B33C83BD7B9A}"/>
               </a:ext>
             </a:extLst>
           </p:cNvPr>
@@ -3638,7 +3639,7 @@
           <p:cNvPr id="4" name="타원 3">
             <a:extLst>
               <a:ext uri="{FF2B5EF4-FFF2-40B4-BE49-F238E27FC236}">
-                <a16:creationId xmlns:a16="http://schemas.microsoft.com/office/drawing/2014/main" id="{5B49C379-27EC-4E12-86CF-FBF38C00B961}"/>
+                <a16:creationId xmlns:a16="http://schemas.microsoft.com/office/drawing/2014/main" xmlns="" id="{5B49C379-27EC-4E12-86CF-FBF38C00B961}"/>
               </a:ext>
             </a:extLst>
           </p:cNvPr>
@@ -3690,7 +3691,7 @@
           <p:cNvPr id="12" name="별: 꼭짓점 5개 11">
             <a:extLst>
               <a:ext uri="{FF2B5EF4-FFF2-40B4-BE49-F238E27FC236}">
-                <a16:creationId xmlns:a16="http://schemas.microsoft.com/office/drawing/2014/main" id="{07D7FDC7-FD46-454A-8F5E-BA64EFEE204F}"/>
+                <a16:creationId xmlns:a16="http://schemas.microsoft.com/office/drawing/2014/main" xmlns="" id="{07D7FDC7-FD46-454A-8F5E-BA64EFEE204F}"/>
               </a:ext>
             </a:extLst>
           </p:cNvPr>
@@ -3739,7 +3740,7 @@
           <p:cNvPr id="14" name="직선 화살표 연결선 13">
             <a:extLst>
               <a:ext uri="{FF2B5EF4-FFF2-40B4-BE49-F238E27FC236}">
-                <a16:creationId xmlns:a16="http://schemas.microsoft.com/office/drawing/2014/main" id="{D5BFD694-53E7-4695-AC8C-38BF3D8A403E}"/>
+                <a16:creationId xmlns:a16="http://schemas.microsoft.com/office/drawing/2014/main" xmlns="" id="{D5BFD694-53E7-4695-AC8C-38BF3D8A403E}"/>
               </a:ext>
             </a:extLst>
           </p:cNvPr>
@@ -3783,7 +3784,7 @@
           <p:cNvPr id="16" name="직선 화살표 연결선 15">
             <a:extLst>
               <a:ext uri="{FF2B5EF4-FFF2-40B4-BE49-F238E27FC236}">
-                <a16:creationId xmlns:a16="http://schemas.microsoft.com/office/drawing/2014/main" id="{66B7FA69-36FB-43AC-90CF-EFA686A4631C}"/>
+                <a16:creationId xmlns:a16="http://schemas.microsoft.com/office/drawing/2014/main" xmlns="" id="{66B7FA69-36FB-43AC-90CF-EFA686A4631C}"/>
               </a:ext>
             </a:extLst>
           </p:cNvPr>
@@ -3817,14 +3818,14 @@
           </a:fontRef>
         </p:style>
       </p:cxnSp>
-      <mc:AlternateContent xmlns:mc="http://schemas.openxmlformats.org/markup-compatibility/2006">
-        <mc:Choice xmlns:a14="http://schemas.microsoft.com/office/drawing/2010/main" Requires="a14">
+      <mc:AlternateContent xmlns:mc="http://schemas.openxmlformats.org/markup-compatibility/2006" xmlns:a14="http://schemas.microsoft.com/office/drawing/2010/main">
+        <mc:Choice Requires="a14">
           <p:sp>
             <p:nvSpPr>
               <p:cNvPr id="18" name="TextBox 17">
                 <a:extLst>
                   <a:ext uri="{FF2B5EF4-FFF2-40B4-BE49-F238E27FC236}">
-                    <a16:creationId xmlns:a16="http://schemas.microsoft.com/office/drawing/2014/main" id="{7B55C13C-191B-4FB4-894A-0019AECAF1FC}"/>
+                    <a16:creationId xmlns:a16="http://schemas.microsoft.com/office/drawing/2014/main" xmlns="" id="{7B55C13C-191B-4FB4-894A-0019AECAF1FC}"/>
                   </a:ext>
                 </a:extLst>
               </p:cNvPr>
@@ -3847,6 +3848,7 @@
               </a:bodyPr>
               <a:lstStyle/>
               <a:p>
+                <a:pPr/>
                 <a14:m>
                   <m:oMathPara xmlns:m="http://schemas.openxmlformats.org/officeDocument/2006/math">
                     <m:oMathParaPr>
@@ -3867,7 +3869,7 @@
             </p:txBody>
           </p:sp>
         </mc:Choice>
-        <mc:Fallback>
+        <mc:Fallback xmlns="">
           <p:sp>
             <p:nvSpPr>
               <p:cNvPr id="18" name="TextBox 17">
@@ -3912,14 +3914,14 @@
           </p:sp>
         </mc:Fallback>
       </mc:AlternateContent>
-      <mc:AlternateContent xmlns:mc="http://schemas.openxmlformats.org/markup-compatibility/2006">
-        <mc:Choice xmlns:a14="http://schemas.microsoft.com/office/drawing/2010/main" Requires="a14">
+      <mc:AlternateContent xmlns:mc="http://schemas.openxmlformats.org/markup-compatibility/2006" xmlns:a14="http://schemas.microsoft.com/office/drawing/2010/main">
+        <mc:Choice Requires="a14">
           <p:sp>
             <p:nvSpPr>
               <p:cNvPr id="19" name="TextBox 18">
                 <a:extLst>
                   <a:ext uri="{FF2B5EF4-FFF2-40B4-BE49-F238E27FC236}">
-                    <a16:creationId xmlns:a16="http://schemas.microsoft.com/office/drawing/2014/main" id="{36D1E575-CE97-4EFD-A476-0C58860917E8}"/>
+                    <a16:creationId xmlns:a16="http://schemas.microsoft.com/office/drawing/2014/main" xmlns="" id="{36D1E575-CE97-4EFD-A476-0C58860917E8}"/>
                   </a:ext>
                 </a:extLst>
               </p:cNvPr>
@@ -3942,6 +3944,7 @@
               </a:bodyPr>
               <a:lstStyle/>
               <a:p>
+                <a:pPr/>
                 <a14:m>
                   <m:oMathPara xmlns:m="http://schemas.openxmlformats.org/officeDocument/2006/math">
                     <m:oMathParaPr>
@@ -3962,7 +3965,7 @@
             </p:txBody>
           </p:sp>
         </mc:Choice>
-        <mc:Fallback>
+        <mc:Fallback xmlns="">
           <p:sp>
             <p:nvSpPr>
               <p:cNvPr id="19" name="TextBox 18">
@@ -4007,14 +4010,14 @@
           </p:sp>
         </mc:Fallback>
       </mc:AlternateContent>
-      <mc:AlternateContent xmlns:mc="http://schemas.openxmlformats.org/markup-compatibility/2006">
-        <mc:Choice xmlns:a14="http://schemas.microsoft.com/office/drawing/2010/main" Requires="a14">
+      <mc:AlternateContent xmlns:mc="http://schemas.openxmlformats.org/markup-compatibility/2006" xmlns:a14="http://schemas.microsoft.com/office/drawing/2010/main">
+        <mc:Choice Requires="a14">
           <p:sp>
             <p:nvSpPr>
               <p:cNvPr id="20" name="TextBox 19">
                 <a:extLst>
                   <a:ext uri="{FF2B5EF4-FFF2-40B4-BE49-F238E27FC236}">
-                    <a16:creationId xmlns:a16="http://schemas.microsoft.com/office/drawing/2014/main" id="{3D33C89D-2D99-4D45-ADAD-57B831048A1C}"/>
+                    <a16:creationId xmlns:a16="http://schemas.microsoft.com/office/drawing/2014/main" xmlns="" id="{3D33C89D-2D99-4D45-ADAD-57B831048A1C}"/>
                   </a:ext>
                 </a:extLst>
               </p:cNvPr>
@@ -4037,6 +4040,7 @@
               </a:bodyPr>
               <a:lstStyle/>
               <a:p>
+                <a:pPr/>
                 <a14:m>
                   <m:oMathPara xmlns:m="http://schemas.openxmlformats.org/officeDocument/2006/math">
                     <m:oMathParaPr>
@@ -4057,7 +4061,7 @@
             </p:txBody>
           </p:sp>
         </mc:Choice>
-        <mc:Fallback>
+        <mc:Fallback xmlns="">
           <p:sp>
             <p:nvSpPr>
               <p:cNvPr id="20" name="TextBox 19">
@@ -4107,7 +4111,7 @@
           <p:cNvPr id="21" name="타원 20">
             <a:extLst>
               <a:ext uri="{FF2B5EF4-FFF2-40B4-BE49-F238E27FC236}">
-                <a16:creationId xmlns:a16="http://schemas.microsoft.com/office/drawing/2014/main" id="{6343A69A-9272-442A-875B-9E1080D42060}"/>
+                <a16:creationId xmlns:a16="http://schemas.microsoft.com/office/drawing/2014/main" xmlns="" id="{6343A69A-9272-442A-875B-9E1080D42060}"/>
               </a:ext>
             </a:extLst>
           </p:cNvPr>
@@ -4162,7 +4166,7 @@
           <p:cNvPr id="61" name="그룹 60">
             <a:extLst>
               <a:ext uri="{FF2B5EF4-FFF2-40B4-BE49-F238E27FC236}">
-                <a16:creationId xmlns:a16="http://schemas.microsoft.com/office/drawing/2014/main" id="{AD938D27-A2F3-4223-B611-25B2F9E64176}"/>
+                <a16:creationId xmlns:a16="http://schemas.microsoft.com/office/drawing/2014/main" xmlns="" id="{AD938D27-A2F3-4223-B611-25B2F9E64176}"/>
               </a:ext>
             </a:extLst>
           </p:cNvPr>
@@ -4182,7 +4186,7 @@
             <p:cNvPr id="23" name="직선 화살표 연결선 22">
               <a:extLst>
                 <a:ext uri="{FF2B5EF4-FFF2-40B4-BE49-F238E27FC236}">
-                  <a16:creationId xmlns:a16="http://schemas.microsoft.com/office/drawing/2014/main" id="{058016D1-08E3-4266-B87A-1FDB12FE8E60}"/>
+                  <a16:creationId xmlns:a16="http://schemas.microsoft.com/office/drawing/2014/main" xmlns="" id="{058016D1-08E3-4266-B87A-1FDB12FE8E60}"/>
                 </a:ext>
               </a:extLst>
             </p:cNvPr>
@@ -4226,7 +4230,7 @@
             <p:cNvPr id="25" name="직선 화살표 연결선 24">
               <a:extLst>
                 <a:ext uri="{FF2B5EF4-FFF2-40B4-BE49-F238E27FC236}">
-                  <a16:creationId xmlns:a16="http://schemas.microsoft.com/office/drawing/2014/main" id="{3C426537-CCDD-4CBD-81ED-33424FE2A9AF}"/>
+                  <a16:creationId xmlns:a16="http://schemas.microsoft.com/office/drawing/2014/main" xmlns="" id="{3C426537-CCDD-4CBD-81ED-33424FE2A9AF}"/>
                 </a:ext>
               </a:extLst>
             </p:cNvPr>
@@ -4268,7 +4272,7 @@
             <p:cNvPr id="27" name="직선 화살표 연결선 26">
               <a:extLst>
                 <a:ext uri="{FF2B5EF4-FFF2-40B4-BE49-F238E27FC236}">
-                  <a16:creationId xmlns:a16="http://schemas.microsoft.com/office/drawing/2014/main" id="{B0A8B035-D11B-43B0-BB94-38C6E47774C2}"/>
+                  <a16:creationId xmlns:a16="http://schemas.microsoft.com/office/drawing/2014/main" xmlns="" id="{B0A8B035-D11B-43B0-BB94-38C6E47774C2}"/>
                 </a:ext>
               </a:extLst>
             </p:cNvPr>
@@ -4312,7 +4316,7 @@
             <p:cNvPr id="29" name="직선 화살표 연결선 28">
               <a:extLst>
                 <a:ext uri="{FF2B5EF4-FFF2-40B4-BE49-F238E27FC236}">
-                  <a16:creationId xmlns:a16="http://schemas.microsoft.com/office/drawing/2014/main" id="{3AD2995F-FFFB-4F51-B4FD-6AA4738022DC}"/>
+                  <a16:creationId xmlns:a16="http://schemas.microsoft.com/office/drawing/2014/main" xmlns="" id="{3AD2995F-FFFB-4F51-B4FD-6AA4738022DC}"/>
                 </a:ext>
               </a:extLst>
             </p:cNvPr>
@@ -4356,7 +4360,7 @@
             <p:cNvPr id="31" name="직선 화살표 연결선 30">
               <a:extLst>
                 <a:ext uri="{FF2B5EF4-FFF2-40B4-BE49-F238E27FC236}">
-                  <a16:creationId xmlns:a16="http://schemas.microsoft.com/office/drawing/2014/main" id="{F9129B24-2EA7-4AD1-9A0E-5B71CAE1D045}"/>
+                  <a16:creationId xmlns:a16="http://schemas.microsoft.com/office/drawing/2014/main" xmlns="" id="{F9129B24-2EA7-4AD1-9A0E-5B71CAE1D045}"/>
                 </a:ext>
               </a:extLst>
             </p:cNvPr>
@@ -4400,7 +4404,7 @@
             <p:cNvPr id="33" name="직선 화살표 연결선 32">
               <a:extLst>
                 <a:ext uri="{FF2B5EF4-FFF2-40B4-BE49-F238E27FC236}">
-                  <a16:creationId xmlns:a16="http://schemas.microsoft.com/office/drawing/2014/main" id="{940AF89E-B60F-4F0F-A2E3-78729057E3BA}"/>
+                  <a16:creationId xmlns:a16="http://schemas.microsoft.com/office/drawing/2014/main" xmlns="" id="{940AF89E-B60F-4F0F-A2E3-78729057E3BA}"/>
                 </a:ext>
               </a:extLst>
             </p:cNvPr>
@@ -4444,7 +4448,7 @@
             <p:cNvPr id="40" name="직선 화살표 연결선 39">
               <a:extLst>
                 <a:ext uri="{FF2B5EF4-FFF2-40B4-BE49-F238E27FC236}">
-                  <a16:creationId xmlns:a16="http://schemas.microsoft.com/office/drawing/2014/main" id="{0FBEBCE9-1632-4617-AA24-57EFC293A04C}"/>
+                  <a16:creationId xmlns:a16="http://schemas.microsoft.com/office/drawing/2014/main" xmlns="" id="{0FBEBCE9-1632-4617-AA24-57EFC293A04C}"/>
                 </a:ext>
               </a:extLst>
             </p:cNvPr>
@@ -4486,7 +4490,7 @@
             <p:cNvPr id="42" name="직선 화살표 연결선 41">
               <a:extLst>
                 <a:ext uri="{FF2B5EF4-FFF2-40B4-BE49-F238E27FC236}">
-                  <a16:creationId xmlns:a16="http://schemas.microsoft.com/office/drawing/2014/main" id="{E44F6AEB-BEE7-442C-811B-A08D80D22734}"/>
+                  <a16:creationId xmlns:a16="http://schemas.microsoft.com/office/drawing/2014/main" xmlns="" id="{E44F6AEB-BEE7-442C-811B-A08D80D22734}"/>
                 </a:ext>
               </a:extLst>
             </p:cNvPr>
@@ -4530,7 +4534,7 @@
             <p:cNvPr id="47" name="직선 화살표 연결선 46">
               <a:extLst>
                 <a:ext uri="{FF2B5EF4-FFF2-40B4-BE49-F238E27FC236}">
-                  <a16:creationId xmlns:a16="http://schemas.microsoft.com/office/drawing/2014/main" id="{9E68AAF9-183A-4D15-A3EC-D537C6F3BEC5}"/>
+                  <a16:creationId xmlns:a16="http://schemas.microsoft.com/office/drawing/2014/main" xmlns="" id="{9E68AAF9-183A-4D15-A3EC-D537C6F3BEC5}"/>
                 </a:ext>
               </a:extLst>
             </p:cNvPr>
@@ -4574,7 +4578,7 @@
             <p:cNvPr id="49" name="직선 화살표 연결선 48">
               <a:extLst>
                 <a:ext uri="{FF2B5EF4-FFF2-40B4-BE49-F238E27FC236}">
-                  <a16:creationId xmlns:a16="http://schemas.microsoft.com/office/drawing/2014/main" id="{9D89DDF1-8170-49C6-AD29-3BA62C295E1C}"/>
+                  <a16:creationId xmlns:a16="http://schemas.microsoft.com/office/drawing/2014/main" xmlns="" id="{9D89DDF1-8170-49C6-AD29-3BA62C295E1C}"/>
                 </a:ext>
               </a:extLst>
             </p:cNvPr>
@@ -4618,7 +4622,7 @@
             <p:cNvPr id="54" name="직선 화살표 연결선 53">
               <a:extLst>
                 <a:ext uri="{FF2B5EF4-FFF2-40B4-BE49-F238E27FC236}">
-                  <a16:creationId xmlns:a16="http://schemas.microsoft.com/office/drawing/2014/main" id="{65493E9F-00D4-40FA-A70B-603D2E31D849}"/>
+                  <a16:creationId xmlns:a16="http://schemas.microsoft.com/office/drawing/2014/main" xmlns="" id="{65493E9F-00D4-40FA-A70B-603D2E31D849}"/>
                 </a:ext>
               </a:extLst>
             </p:cNvPr>
@@ -4662,7 +4666,7 @@
             <p:cNvPr id="56" name="직선 화살표 연결선 55">
               <a:extLst>
                 <a:ext uri="{FF2B5EF4-FFF2-40B4-BE49-F238E27FC236}">
-                  <a16:creationId xmlns:a16="http://schemas.microsoft.com/office/drawing/2014/main" id="{C350BB82-B940-42EE-999E-24B189886A35}"/>
+                  <a16:creationId xmlns:a16="http://schemas.microsoft.com/office/drawing/2014/main" xmlns="" id="{C350BB82-B940-42EE-999E-24B189886A35}"/>
                 </a:ext>
               </a:extLst>
             </p:cNvPr>
@@ -4706,7 +4710,7 @@
             <p:cNvPr id="58" name="직선 화살표 연결선 57">
               <a:extLst>
                 <a:ext uri="{FF2B5EF4-FFF2-40B4-BE49-F238E27FC236}">
-                  <a16:creationId xmlns:a16="http://schemas.microsoft.com/office/drawing/2014/main" id="{0E0341B8-7EA5-44C0-AF2D-8534C2F9DEFA}"/>
+                  <a16:creationId xmlns:a16="http://schemas.microsoft.com/office/drawing/2014/main" xmlns="" id="{0E0341B8-7EA5-44C0-AF2D-8534C2F9DEFA}"/>
                 </a:ext>
               </a:extLst>
             </p:cNvPr>
@@ -4748,7 +4752,7 @@
             <p:cNvPr id="60" name="직선 화살표 연결선 59">
               <a:extLst>
                 <a:ext uri="{FF2B5EF4-FFF2-40B4-BE49-F238E27FC236}">
-                  <a16:creationId xmlns:a16="http://schemas.microsoft.com/office/drawing/2014/main" id="{CC9A1E0C-C1F5-44D2-812A-E1BD2D1F230D}"/>
+                  <a16:creationId xmlns:a16="http://schemas.microsoft.com/office/drawing/2014/main" xmlns="" id="{CC9A1E0C-C1F5-44D2-812A-E1BD2D1F230D}"/>
                 </a:ext>
               </a:extLst>
             </p:cNvPr>
@@ -4790,6 +4794,968 @@
     <p:extLst>
       <p:ext uri="{BB962C8B-B14F-4D97-AF65-F5344CB8AC3E}">
         <p14:creationId xmlns:p14="http://schemas.microsoft.com/office/powerpoint/2010/main" val="2346074561"/>
+      </p:ext>
+    </p:extLst>
+  </p:cSld>
+  <p:clrMapOvr>
+    <a:masterClrMapping/>
+  </p:clrMapOvr>
+</p:sld>
+</file>
+
+<file path=ppt/slides/slide2.xml><?xml version="1.0" encoding="utf-8"?>
+<p:sld xmlns:a="http://schemas.openxmlformats.org/drawingml/2006/main" xmlns:r="http://schemas.openxmlformats.org/officeDocument/2006/relationships" xmlns:p="http://schemas.openxmlformats.org/presentationml/2006/main">
+  <p:cSld>
+    <p:spTree>
+      <p:nvGrpSpPr>
+        <p:cNvPr id="1" name=""/>
+        <p:cNvGrpSpPr/>
+        <p:nvPr/>
+      </p:nvGrpSpPr>
+      <p:grpSpPr>
+        <a:xfrm>
+          <a:off x="0" y="0"/>
+          <a:ext cx="0" cy="0"/>
+          <a:chOff x="0" y="0"/>
+          <a:chExt cx="0" cy="0"/>
+        </a:xfrm>
+      </p:grpSpPr>
+      <p:sp>
+        <p:nvSpPr>
+          <p:cNvPr id="6" name="타원 5">
+            <a:extLst>
+              <a:ext uri="{FF2B5EF4-FFF2-40B4-BE49-F238E27FC236}">
+                <a16:creationId xmlns:a16="http://schemas.microsoft.com/office/drawing/2014/main" xmlns="" id="{4471BDEA-CFAE-4B1E-91C0-43EE31066393}"/>
+              </a:ext>
+            </a:extLst>
+          </p:cNvPr>
+          <p:cNvSpPr/>
+          <p:nvPr/>
+        </p:nvSpPr>
+        <p:spPr>
+          <a:xfrm>
+            <a:off x="2247230" y="1715679"/>
+            <a:ext cx="8014910" cy="2026762"/>
+          </a:xfrm>
+          <a:prstGeom prst="ellipse">
+            <a:avLst/>
+          </a:prstGeom>
+          <a:noFill/>
+          <a:ln>
+            <a:solidFill>
+              <a:schemeClr val="tx1"/>
+            </a:solidFill>
+          </a:ln>
+        </p:spPr>
+        <p:style>
+          <a:lnRef idx="2">
+            <a:schemeClr val="accent1">
+              <a:shade val="50000"/>
+            </a:schemeClr>
+          </a:lnRef>
+          <a:fillRef idx="1">
+            <a:schemeClr val="accent1"/>
+          </a:fillRef>
+          <a:effectRef idx="0">
+            <a:schemeClr val="accent1"/>
+          </a:effectRef>
+          <a:fontRef idx="minor">
+            <a:schemeClr val="lt1"/>
+          </a:fontRef>
+        </p:style>
+        <p:txBody>
+          <a:bodyPr rtlCol="0" anchor="ctr"/>
+          <a:lstStyle/>
+          <a:p>
+            <a:pPr algn="ctr"/>
+            <a:endParaRPr lang="ko-KR" altLang="en-US"/>
+          </a:p>
+        </p:txBody>
+      </p:sp>
+      <p:sp>
+        <p:nvSpPr>
+          <p:cNvPr id="7" name="타원 6">
+            <a:extLst>
+              <a:ext uri="{FF2B5EF4-FFF2-40B4-BE49-F238E27FC236}">
+                <a16:creationId xmlns:a16="http://schemas.microsoft.com/office/drawing/2014/main" xmlns="" id="{E7AA7ED6-5E32-47CB-85B1-B922466FFD1E}"/>
+              </a:ext>
+            </a:extLst>
+          </p:cNvPr>
+          <p:cNvSpPr/>
+          <p:nvPr/>
+        </p:nvSpPr>
+        <p:spPr>
+          <a:xfrm>
+            <a:off x="3104637" y="1932495"/>
+            <a:ext cx="6300096" cy="1593130"/>
+          </a:xfrm>
+          <a:prstGeom prst="ellipse">
+            <a:avLst/>
+          </a:prstGeom>
+          <a:noFill/>
+          <a:ln>
+            <a:solidFill>
+              <a:schemeClr val="tx1"/>
+            </a:solidFill>
+          </a:ln>
+        </p:spPr>
+        <p:style>
+          <a:lnRef idx="2">
+            <a:schemeClr val="accent1">
+              <a:shade val="50000"/>
+            </a:schemeClr>
+          </a:lnRef>
+          <a:fillRef idx="1">
+            <a:schemeClr val="accent1"/>
+          </a:fillRef>
+          <a:effectRef idx="0">
+            <a:schemeClr val="accent1"/>
+          </a:effectRef>
+          <a:fontRef idx="minor">
+            <a:schemeClr val="lt1"/>
+          </a:fontRef>
+        </p:style>
+        <p:txBody>
+          <a:bodyPr rtlCol="0" anchor="ctr"/>
+          <a:lstStyle/>
+          <a:p>
+            <a:pPr algn="ctr"/>
+            <a:endParaRPr lang="ko-KR" altLang="en-US"/>
+          </a:p>
+        </p:txBody>
+      </p:sp>
+      <p:sp>
+        <p:nvSpPr>
+          <p:cNvPr id="8" name="타원 7">
+            <a:extLst>
+              <a:ext uri="{FF2B5EF4-FFF2-40B4-BE49-F238E27FC236}">
+                <a16:creationId xmlns:a16="http://schemas.microsoft.com/office/drawing/2014/main" xmlns="" id="{0501F9F5-E4A9-47E4-95CB-0370645241CA}"/>
+              </a:ext>
+            </a:extLst>
+          </p:cNvPr>
+          <p:cNvSpPr/>
+          <p:nvPr/>
+        </p:nvSpPr>
+        <p:spPr>
+          <a:xfrm>
+            <a:off x="3589262" y="2055044"/>
+            <a:ext cx="5330846" cy="1348032"/>
+          </a:xfrm>
+          <a:prstGeom prst="ellipse">
+            <a:avLst/>
+          </a:prstGeom>
+          <a:noFill/>
+          <a:ln>
+            <a:solidFill>
+              <a:schemeClr val="tx1"/>
+            </a:solidFill>
+          </a:ln>
+        </p:spPr>
+        <p:style>
+          <a:lnRef idx="2">
+            <a:schemeClr val="accent1">
+              <a:shade val="50000"/>
+            </a:schemeClr>
+          </a:lnRef>
+          <a:fillRef idx="1">
+            <a:schemeClr val="accent1"/>
+          </a:fillRef>
+          <a:effectRef idx="0">
+            <a:schemeClr val="accent1"/>
+          </a:effectRef>
+          <a:fontRef idx="minor">
+            <a:schemeClr val="lt1"/>
+          </a:fontRef>
+        </p:style>
+        <p:txBody>
+          <a:bodyPr rtlCol="0" anchor="ctr"/>
+          <a:lstStyle/>
+          <a:p>
+            <a:pPr algn="ctr"/>
+            <a:endParaRPr lang="ko-KR" altLang="en-US"/>
+          </a:p>
+        </p:txBody>
+      </p:sp>
+      <p:sp>
+        <p:nvSpPr>
+          <p:cNvPr id="9" name="타원 8">
+            <a:extLst>
+              <a:ext uri="{FF2B5EF4-FFF2-40B4-BE49-F238E27FC236}">
+                <a16:creationId xmlns:a16="http://schemas.microsoft.com/office/drawing/2014/main" xmlns="" id="{E12C05CD-D62D-4F16-A730-EC733C2CD563}"/>
+              </a:ext>
+            </a:extLst>
+          </p:cNvPr>
+          <p:cNvSpPr/>
+          <p:nvPr/>
+        </p:nvSpPr>
+        <p:spPr>
+          <a:xfrm>
+            <a:off x="4111162" y="2187019"/>
+            <a:ext cx="4287046" cy="1084082"/>
+          </a:xfrm>
+          <a:prstGeom prst="ellipse">
+            <a:avLst/>
+          </a:prstGeom>
+          <a:noFill/>
+          <a:ln>
+            <a:solidFill>
+              <a:schemeClr val="tx1"/>
+            </a:solidFill>
+          </a:ln>
+        </p:spPr>
+        <p:style>
+          <a:lnRef idx="2">
+            <a:schemeClr val="accent1">
+              <a:shade val="50000"/>
+            </a:schemeClr>
+          </a:lnRef>
+          <a:fillRef idx="1">
+            <a:schemeClr val="accent1"/>
+          </a:fillRef>
+          <a:effectRef idx="0">
+            <a:schemeClr val="accent1"/>
+          </a:effectRef>
+          <a:fontRef idx="minor">
+            <a:schemeClr val="lt1"/>
+          </a:fontRef>
+        </p:style>
+        <p:txBody>
+          <a:bodyPr rtlCol="0" anchor="ctr"/>
+          <a:lstStyle/>
+          <a:p>
+            <a:pPr algn="ctr"/>
+            <a:endParaRPr lang="ko-KR" altLang="en-US"/>
+          </a:p>
+        </p:txBody>
+      </p:sp>
+      <p:sp>
+        <p:nvSpPr>
+          <p:cNvPr id="10" name="타원 9">
+            <a:extLst>
+              <a:ext uri="{FF2B5EF4-FFF2-40B4-BE49-F238E27FC236}">
+                <a16:creationId xmlns:a16="http://schemas.microsoft.com/office/drawing/2014/main" xmlns="" id="{3326FD68-10ED-4FC7-91A2-1129633546A9}"/>
+              </a:ext>
+            </a:extLst>
+          </p:cNvPr>
+          <p:cNvSpPr/>
+          <p:nvPr/>
+        </p:nvSpPr>
+        <p:spPr>
+          <a:xfrm>
+            <a:off x="4670342" y="2328421"/>
+            <a:ext cx="3168686" cy="801278"/>
+          </a:xfrm>
+          <a:prstGeom prst="ellipse">
+            <a:avLst/>
+          </a:prstGeom>
+          <a:noFill/>
+          <a:ln>
+            <a:solidFill>
+              <a:schemeClr val="tx1"/>
+            </a:solidFill>
+          </a:ln>
+        </p:spPr>
+        <p:style>
+          <a:lnRef idx="2">
+            <a:schemeClr val="accent1">
+              <a:shade val="50000"/>
+            </a:schemeClr>
+          </a:lnRef>
+          <a:fillRef idx="1">
+            <a:schemeClr val="accent1"/>
+          </a:fillRef>
+          <a:effectRef idx="0">
+            <a:schemeClr val="accent1"/>
+          </a:effectRef>
+          <a:fontRef idx="minor">
+            <a:schemeClr val="lt1"/>
+          </a:fontRef>
+        </p:style>
+        <p:txBody>
+          <a:bodyPr rtlCol="0" anchor="ctr"/>
+          <a:lstStyle/>
+          <a:p>
+            <a:pPr algn="ctr"/>
+            <a:endParaRPr lang="ko-KR" altLang="en-US"/>
+          </a:p>
+        </p:txBody>
+      </p:sp>
+      <p:sp>
+        <p:nvSpPr>
+          <p:cNvPr id="11" name="타원 10">
+            <a:extLst>
+              <a:ext uri="{FF2B5EF4-FFF2-40B4-BE49-F238E27FC236}">
+                <a16:creationId xmlns:a16="http://schemas.microsoft.com/office/drawing/2014/main" xmlns="" id="{E2CECE54-E239-4C08-9DD7-B33C83BD7B9A}"/>
+              </a:ext>
+            </a:extLst>
+          </p:cNvPr>
+          <p:cNvSpPr/>
+          <p:nvPr/>
+        </p:nvSpPr>
+        <p:spPr>
+          <a:xfrm>
+            <a:off x="5127004" y="2443899"/>
+            <a:ext cx="2255362" cy="570322"/>
+          </a:xfrm>
+          <a:prstGeom prst="ellipse">
+            <a:avLst/>
+          </a:prstGeom>
+          <a:noFill/>
+          <a:ln>
+            <a:solidFill>
+              <a:schemeClr val="tx1"/>
+            </a:solidFill>
+          </a:ln>
+        </p:spPr>
+        <p:style>
+          <a:lnRef idx="2">
+            <a:schemeClr val="accent1">
+              <a:shade val="50000"/>
+            </a:schemeClr>
+          </a:lnRef>
+          <a:fillRef idx="1">
+            <a:schemeClr val="accent1"/>
+          </a:fillRef>
+          <a:effectRef idx="0">
+            <a:schemeClr val="accent1"/>
+          </a:effectRef>
+          <a:fontRef idx="minor">
+            <a:schemeClr val="lt1"/>
+          </a:fontRef>
+        </p:style>
+        <p:txBody>
+          <a:bodyPr rtlCol="0" anchor="ctr"/>
+          <a:lstStyle/>
+          <a:p>
+            <a:pPr algn="ctr"/>
+            <a:endParaRPr lang="ko-KR" altLang="en-US"/>
+          </a:p>
+        </p:txBody>
+      </p:sp>
+      <p:sp>
+        <p:nvSpPr>
+          <p:cNvPr id="4" name="타원 3">
+            <a:extLst>
+              <a:ext uri="{FF2B5EF4-FFF2-40B4-BE49-F238E27FC236}">
+                <a16:creationId xmlns:a16="http://schemas.microsoft.com/office/drawing/2014/main" xmlns="" id="{5B49C379-27EC-4E12-86CF-FBF38C00B961}"/>
+              </a:ext>
+            </a:extLst>
+          </p:cNvPr>
+          <p:cNvSpPr/>
+          <p:nvPr/>
+        </p:nvSpPr>
+        <p:spPr>
+          <a:xfrm>
+            <a:off x="5434554" y="2521670"/>
+            <a:ext cx="1640263" cy="414780"/>
+          </a:xfrm>
+          <a:prstGeom prst="ellipse">
+            <a:avLst/>
+          </a:prstGeom>
+          <a:noFill/>
+          <a:ln>
+            <a:solidFill>
+              <a:schemeClr val="tx1"/>
+            </a:solidFill>
+          </a:ln>
+        </p:spPr>
+        <p:style>
+          <a:lnRef idx="2">
+            <a:schemeClr val="accent1">
+              <a:shade val="50000"/>
+            </a:schemeClr>
+          </a:lnRef>
+          <a:fillRef idx="1">
+            <a:schemeClr val="accent1"/>
+          </a:fillRef>
+          <a:effectRef idx="0">
+            <a:schemeClr val="accent1"/>
+          </a:effectRef>
+          <a:fontRef idx="minor">
+            <a:schemeClr val="lt1"/>
+          </a:fontRef>
+        </p:style>
+        <p:txBody>
+          <a:bodyPr rtlCol="0" anchor="ctr"/>
+          <a:lstStyle/>
+          <a:p>
+            <a:pPr algn="ctr"/>
+            <a:endParaRPr lang="ko-KR" altLang="en-US"/>
+          </a:p>
+        </p:txBody>
+      </p:sp>
+      <p:sp>
+        <p:nvSpPr>
+          <p:cNvPr id="12" name="별: 꼭짓점 5개 11">
+            <a:extLst>
+              <a:ext uri="{FF2B5EF4-FFF2-40B4-BE49-F238E27FC236}">
+                <a16:creationId xmlns:a16="http://schemas.microsoft.com/office/drawing/2014/main" xmlns="" id="{07D7FDC7-FD46-454A-8F5E-BA64EFEE204F}"/>
+              </a:ext>
+            </a:extLst>
+          </p:cNvPr>
+          <p:cNvSpPr/>
+          <p:nvPr/>
+        </p:nvSpPr>
+        <p:spPr>
+          <a:xfrm>
+            <a:off x="6136850" y="2611225"/>
+            <a:ext cx="235670" cy="235670"/>
+          </a:xfrm>
+          <a:prstGeom prst="star5">
+            <a:avLst/>
+          </a:prstGeom>
+          <a:solidFill>
+            <a:srgbClr val="FF0000"/>
+          </a:solidFill>
+        </p:spPr>
+        <p:style>
+          <a:lnRef idx="2">
+            <a:schemeClr val="accent1">
+              <a:shade val="50000"/>
+            </a:schemeClr>
+          </a:lnRef>
+          <a:fillRef idx="1">
+            <a:schemeClr val="accent1"/>
+          </a:fillRef>
+          <a:effectRef idx="0">
+            <a:schemeClr val="accent1"/>
+          </a:effectRef>
+          <a:fontRef idx="minor">
+            <a:schemeClr val="lt1"/>
+          </a:fontRef>
+        </p:style>
+        <p:txBody>
+          <a:bodyPr rtlCol="0" anchor="ctr"/>
+          <a:lstStyle/>
+          <a:p>
+            <a:pPr algn="ctr"/>
+            <a:endParaRPr lang="ko-KR" altLang="en-US"/>
+          </a:p>
+        </p:txBody>
+      </p:sp>
+      <p:cxnSp>
+        <p:nvCxnSpPr>
+          <p:cNvPr id="14" name="직선 화살표 연결선 13">
+            <a:extLst>
+              <a:ext uri="{FF2B5EF4-FFF2-40B4-BE49-F238E27FC236}">
+                <a16:creationId xmlns:a16="http://schemas.microsoft.com/office/drawing/2014/main" xmlns="" id="{D5BFD694-53E7-4695-AC8C-38BF3D8A403E}"/>
+              </a:ext>
+            </a:extLst>
+          </p:cNvPr>
+          <p:cNvCxnSpPr>
+            <a:cxnSpLocks/>
+          </p:cNvCxnSpPr>
+          <p:nvPr/>
+        </p:nvCxnSpPr>
+        <p:spPr>
+          <a:xfrm flipV="1">
+            <a:off x="1630837" y="942680"/>
+            <a:ext cx="0" cy="3652887"/>
+          </a:xfrm>
+          <a:prstGeom prst="straightConnector1">
+            <a:avLst/>
+          </a:prstGeom>
+          <a:ln>
+            <a:solidFill>
+              <a:schemeClr val="tx1"/>
+            </a:solidFill>
+            <a:tailEnd type="triangle"/>
+          </a:ln>
+        </p:spPr>
+        <p:style>
+          <a:lnRef idx="1">
+            <a:schemeClr val="accent1"/>
+          </a:lnRef>
+          <a:fillRef idx="0">
+            <a:schemeClr val="accent1"/>
+          </a:fillRef>
+          <a:effectRef idx="0">
+            <a:schemeClr val="accent1"/>
+          </a:effectRef>
+          <a:fontRef idx="minor">
+            <a:schemeClr val="tx1"/>
+          </a:fontRef>
+        </p:style>
+      </p:cxnSp>
+      <p:cxnSp>
+        <p:nvCxnSpPr>
+          <p:cNvPr id="16" name="직선 화살표 연결선 15">
+            <a:extLst>
+              <a:ext uri="{FF2B5EF4-FFF2-40B4-BE49-F238E27FC236}">
+                <a16:creationId xmlns:a16="http://schemas.microsoft.com/office/drawing/2014/main" xmlns="" id="{66B7FA69-36FB-43AC-90CF-EFA686A4631C}"/>
+              </a:ext>
+            </a:extLst>
+          </p:cNvPr>
+          <p:cNvCxnSpPr/>
+          <p:nvPr/>
+        </p:nvCxnSpPr>
+        <p:spPr>
+          <a:xfrm>
+            <a:off x="1187777" y="4279769"/>
+            <a:ext cx="9907571" cy="0"/>
+          </a:xfrm>
+          <a:prstGeom prst="straightConnector1">
+            <a:avLst/>
+          </a:prstGeom>
+          <a:ln>
+            <a:tailEnd type="triangle"/>
+          </a:ln>
+        </p:spPr>
+        <p:style>
+          <a:lnRef idx="1">
+            <a:schemeClr val="dk1"/>
+          </a:lnRef>
+          <a:fillRef idx="0">
+            <a:schemeClr val="dk1"/>
+          </a:fillRef>
+          <a:effectRef idx="0">
+            <a:schemeClr val="dk1"/>
+          </a:effectRef>
+          <a:fontRef idx="minor">
+            <a:schemeClr val="tx1"/>
+          </a:fontRef>
+        </p:style>
+      </p:cxnSp>
+      <mc:AlternateContent xmlns:mc="http://schemas.openxmlformats.org/markup-compatibility/2006" xmlns:a14="http://schemas.microsoft.com/office/drawing/2010/main">
+        <mc:Choice Requires="a14">
+          <p:sp>
+            <p:nvSpPr>
+              <p:cNvPr id="18" name="TextBox 17">
+                <a:extLst>
+                  <a:ext uri="{FF2B5EF4-FFF2-40B4-BE49-F238E27FC236}">
+                    <a16:creationId xmlns:a16="http://schemas.microsoft.com/office/drawing/2014/main" xmlns="" id="{7B55C13C-191B-4FB4-894A-0019AECAF1FC}"/>
+                  </a:ext>
+                </a:extLst>
+              </p:cNvPr>
+              <p:cNvSpPr txBox="1"/>
+              <p:nvPr/>
+            </p:nvSpPr>
+            <p:spPr>
+              <a:xfrm>
+                <a:off x="10765411" y="4410901"/>
+                <a:ext cx="495071" cy="369332"/>
+              </a:xfrm>
+              <a:prstGeom prst="rect">
+                <a:avLst/>
+              </a:prstGeom>
+              <a:noFill/>
+            </p:spPr>
+            <p:txBody>
+              <a:bodyPr wrap="none" rtlCol="0">
+                <a:spAutoFit/>
+              </a:bodyPr>
+              <a:lstStyle/>
+              <a:p>
+                <a:pPr/>
+                <a14:m>
+                  <m:oMathPara xmlns:m="http://schemas.openxmlformats.org/officeDocument/2006/math">
+                    <m:oMathParaPr>
+                      <m:jc m:val="centerGroup"/>
+                    </m:oMathParaPr>
+                    <m:oMath xmlns:m="http://schemas.openxmlformats.org/officeDocument/2006/math">
+                      <m:r>
+                        <a:rPr lang="en-US" altLang="ko-KR" b="0" i="1" smtClean="0">
+                          <a:latin typeface="Cambria Math" panose="02040503050406030204" pitchFamily="18" charset="0"/>
+                        </a:rPr>
+                        <m:t>𝑊</m:t>
+                      </m:r>
+                    </m:oMath>
+                  </m:oMathPara>
+                </a14:m>
+                <a:endParaRPr lang="ko-KR" altLang="en-US" dirty="0"/>
+              </a:p>
+            </p:txBody>
+          </p:sp>
+        </mc:Choice>
+        <mc:Fallback xmlns="">
+          <p:sp>
+            <p:nvSpPr>
+              <p:cNvPr id="18" name="TextBox 17">
+                <a:extLst>
+                  <a:ext uri="{FF2B5EF4-FFF2-40B4-BE49-F238E27FC236}">
+                    <a16:creationId xmlns:a16="http://schemas.microsoft.com/office/drawing/2014/main" id="{7B55C13C-191B-4FB4-894A-0019AECAF1FC}"/>
+                  </a:ext>
+                </a:extLst>
+              </p:cNvPr>
+              <p:cNvSpPr txBox="1">
+                <a:spLocks noRot="1" noChangeAspect="1" noMove="1" noResize="1" noEditPoints="1" noAdjustHandles="1" noChangeArrowheads="1" noChangeShapeType="1" noTextEdit="1"/>
+              </p:cNvSpPr>
+              <p:nvPr/>
+            </p:nvSpPr>
+            <p:spPr>
+              <a:xfrm>
+                <a:off x="10765411" y="4410901"/>
+                <a:ext cx="495071" cy="369332"/>
+              </a:xfrm>
+              <a:prstGeom prst="rect">
+                <a:avLst/>
+              </a:prstGeom>
+              <a:blipFill>
+                <a:blip r:embed="rId2"/>
+                <a:stretch>
+                  <a:fillRect/>
+                </a:stretch>
+              </a:blipFill>
+            </p:spPr>
+            <p:txBody>
+              <a:bodyPr/>
+              <a:lstStyle/>
+              <a:p>
+                <a:r>
+                  <a:rPr lang="ko-KR" altLang="en-US">
+                    <a:noFill/>
+                  </a:rPr>
+                  <a:t> </a:t>
+                </a:r>
+              </a:p>
+            </p:txBody>
+          </p:sp>
+        </mc:Fallback>
+      </mc:AlternateContent>
+      <mc:AlternateContent xmlns:mc="http://schemas.openxmlformats.org/markup-compatibility/2006" xmlns:a14="http://schemas.microsoft.com/office/drawing/2010/main">
+        <mc:Choice Requires="a14">
+          <p:sp>
+            <p:nvSpPr>
+              <p:cNvPr id="19" name="TextBox 18">
+                <a:extLst>
+                  <a:ext uri="{FF2B5EF4-FFF2-40B4-BE49-F238E27FC236}">
+                    <a16:creationId xmlns:a16="http://schemas.microsoft.com/office/drawing/2014/main" xmlns="" id="{36D1E575-CE97-4EFD-A476-0C58860917E8}"/>
+                  </a:ext>
+                </a:extLst>
+              </p:cNvPr>
+              <p:cNvSpPr txBox="1"/>
+              <p:nvPr/>
+            </p:nvSpPr>
+            <p:spPr>
+              <a:xfrm>
+                <a:off x="1135766" y="942680"/>
+                <a:ext cx="396519" cy="369332"/>
+              </a:xfrm>
+              <a:prstGeom prst="rect">
+                <a:avLst/>
+              </a:prstGeom>
+              <a:noFill/>
+            </p:spPr>
+            <p:txBody>
+              <a:bodyPr wrap="none" rtlCol="0">
+                <a:spAutoFit/>
+              </a:bodyPr>
+              <a:lstStyle/>
+              <a:p>
+                <a:pPr/>
+                <a14:m>
+                  <m:oMathPara xmlns:m="http://schemas.openxmlformats.org/officeDocument/2006/math">
+                    <m:oMathParaPr>
+                      <m:jc m:val="centerGroup"/>
+                    </m:oMathParaPr>
+                    <m:oMath xmlns:m="http://schemas.openxmlformats.org/officeDocument/2006/math">
+                      <m:r>
+                        <a:rPr lang="en-US" altLang="ko-KR" b="0" i="1" smtClean="0">
+                          <a:latin typeface="Cambria Math" panose="02040503050406030204" pitchFamily="18" charset="0"/>
+                        </a:rPr>
+                        <m:t>𝑏</m:t>
+                      </m:r>
+                    </m:oMath>
+                  </m:oMathPara>
+                </a14:m>
+                <a:endParaRPr lang="ko-KR" altLang="en-US" dirty="0"/>
+              </a:p>
+            </p:txBody>
+          </p:sp>
+        </mc:Choice>
+        <mc:Fallback xmlns="">
+          <p:sp>
+            <p:nvSpPr>
+              <p:cNvPr id="19" name="TextBox 18">
+                <a:extLst>
+                  <a:ext uri="{FF2B5EF4-FFF2-40B4-BE49-F238E27FC236}">
+                    <a16:creationId xmlns:a16="http://schemas.microsoft.com/office/drawing/2014/main" id="{36D1E575-CE97-4EFD-A476-0C58860917E8}"/>
+                  </a:ext>
+                </a:extLst>
+              </p:cNvPr>
+              <p:cNvSpPr txBox="1">
+                <a:spLocks noRot="1" noChangeAspect="1" noMove="1" noResize="1" noEditPoints="1" noAdjustHandles="1" noChangeArrowheads="1" noChangeShapeType="1" noTextEdit="1"/>
+              </p:cNvSpPr>
+              <p:nvPr/>
+            </p:nvSpPr>
+            <p:spPr>
+              <a:xfrm>
+                <a:off x="1135766" y="942680"/>
+                <a:ext cx="396519" cy="369332"/>
+              </a:xfrm>
+              <a:prstGeom prst="rect">
+                <a:avLst/>
+              </a:prstGeom>
+              <a:blipFill>
+                <a:blip r:embed="rId3"/>
+                <a:stretch>
+                  <a:fillRect/>
+                </a:stretch>
+              </a:blipFill>
+            </p:spPr>
+            <p:txBody>
+              <a:bodyPr/>
+              <a:lstStyle/>
+              <a:p>
+                <a:r>
+                  <a:rPr lang="ko-KR" altLang="en-US">
+                    <a:noFill/>
+                  </a:rPr>
+                  <a:t> </a:t>
+                </a:r>
+              </a:p>
+            </p:txBody>
+          </p:sp>
+        </mc:Fallback>
+      </mc:AlternateContent>
+      <mc:AlternateContent xmlns:mc="http://schemas.openxmlformats.org/markup-compatibility/2006" xmlns:a14="http://schemas.microsoft.com/office/drawing/2010/main">
+        <mc:Choice Requires="a14">
+          <p:sp>
+            <p:nvSpPr>
+              <p:cNvPr id="20" name="TextBox 19">
+                <a:extLst>
+                  <a:ext uri="{FF2B5EF4-FFF2-40B4-BE49-F238E27FC236}">
+                    <a16:creationId xmlns:a16="http://schemas.microsoft.com/office/drawing/2014/main" xmlns="" id="{3D33C89D-2D99-4D45-ADAD-57B831048A1C}"/>
+                  </a:ext>
+                </a:extLst>
+              </p:cNvPr>
+              <p:cNvSpPr txBox="1"/>
+              <p:nvPr/>
+            </p:nvSpPr>
+            <p:spPr>
+              <a:xfrm>
+                <a:off x="1135766" y="4410901"/>
+                <a:ext cx="396519" cy="369332"/>
+              </a:xfrm>
+              <a:prstGeom prst="rect">
+                <a:avLst/>
+              </a:prstGeom>
+              <a:noFill/>
+            </p:spPr>
+            <p:txBody>
+              <a:bodyPr wrap="none" rtlCol="0">
+                <a:spAutoFit/>
+              </a:bodyPr>
+              <a:lstStyle/>
+              <a:p>
+                <a:pPr/>
+                <a14:m>
+                  <m:oMathPara xmlns:m="http://schemas.openxmlformats.org/officeDocument/2006/math">
+                    <m:oMathParaPr>
+                      <m:jc m:val="centerGroup"/>
+                    </m:oMathParaPr>
+                    <m:oMath xmlns:m="http://schemas.openxmlformats.org/officeDocument/2006/math">
+                      <m:r>
+                        <a:rPr lang="en-US" altLang="ko-KR" b="0" i="1" smtClean="0">
+                          <a:latin typeface="Cambria Math" panose="02040503050406030204" pitchFamily="18" charset="0"/>
+                        </a:rPr>
+                        <m:t>0</m:t>
+                      </m:r>
+                    </m:oMath>
+                  </m:oMathPara>
+                </a14:m>
+                <a:endParaRPr lang="ko-KR" altLang="en-US" dirty="0"/>
+              </a:p>
+            </p:txBody>
+          </p:sp>
+        </mc:Choice>
+        <mc:Fallback xmlns="">
+          <p:sp>
+            <p:nvSpPr>
+              <p:cNvPr id="20" name="TextBox 19">
+                <a:extLst>
+                  <a:ext uri="{FF2B5EF4-FFF2-40B4-BE49-F238E27FC236}">
+                    <a16:creationId xmlns:a16="http://schemas.microsoft.com/office/drawing/2014/main" id="{3D33C89D-2D99-4D45-ADAD-57B831048A1C}"/>
+                  </a:ext>
+                </a:extLst>
+              </p:cNvPr>
+              <p:cNvSpPr txBox="1">
+                <a:spLocks noRot="1" noChangeAspect="1" noMove="1" noResize="1" noEditPoints="1" noAdjustHandles="1" noChangeArrowheads="1" noChangeShapeType="1" noTextEdit="1"/>
+              </p:cNvSpPr>
+              <p:nvPr/>
+            </p:nvSpPr>
+            <p:spPr>
+              <a:xfrm>
+                <a:off x="1135766" y="4410901"/>
+                <a:ext cx="396519" cy="369332"/>
+              </a:xfrm>
+              <a:prstGeom prst="rect">
+                <a:avLst/>
+              </a:prstGeom>
+              <a:blipFill>
+                <a:blip r:embed="rId4"/>
+                <a:stretch>
+                  <a:fillRect/>
+                </a:stretch>
+              </a:blipFill>
+            </p:spPr>
+            <p:txBody>
+              <a:bodyPr/>
+              <a:lstStyle/>
+              <a:p>
+                <a:r>
+                  <a:rPr lang="ko-KR" altLang="en-US">
+                    <a:noFill/>
+                  </a:rPr>
+                  <a:t> </a:t>
+                </a:r>
+              </a:p>
+            </p:txBody>
+          </p:sp>
+        </mc:Fallback>
+      </mc:AlternateContent>
+      <p:sp>
+        <p:nvSpPr>
+          <p:cNvPr id="21" name="타원 20">
+            <a:extLst>
+              <a:ext uri="{FF2B5EF4-FFF2-40B4-BE49-F238E27FC236}">
+                <a16:creationId xmlns:a16="http://schemas.microsoft.com/office/drawing/2014/main" xmlns="" id="{6343A69A-9272-442A-875B-9E1080D42060}"/>
+              </a:ext>
+            </a:extLst>
+          </p:cNvPr>
+          <p:cNvSpPr/>
+          <p:nvPr/>
+        </p:nvSpPr>
+        <p:spPr>
+          <a:xfrm>
+            <a:off x="2758919" y="3182054"/>
+            <a:ext cx="126724" cy="126724"/>
+          </a:xfrm>
+          <a:prstGeom prst="ellipse">
+            <a:avLst/>
+          </a:prstGeom>
+          <a:solidFill>
+            <a:schemeClr val="accent6">
+              <a:lumMod val="60000"/>
+              <a:lumOff val="40000"/>
+            </a:schemeClr>
+          </a:solidFill>
+          <a:ln>
+            <a:noFill/>
+          </a:ln>
+        </p:spPr>
+        <p:style>
+          <a:lnRef idx="2">
+            <a:schemeClr val="accent1">
+              <a:shade val="50000"/>
+            </a:schemeClr>
+          </a:lnRef>
+          <a:fillRef idx="1">
+            <a:schemeClr val="accent1"/>
+          </a:fillRef>
+          <a:effectRef idx="0">
+            <a:schemeClr val="accent1"/>
+          </a:effectRef>
+          <a:fontRef idx="minor">
+            <a:schemeClr val="lt1"/>
+          </a:fontRef>
+        </p:style>
+        <p:txBody>
+          <a:bodyPr rtlCol="0" anchor="ctr"/>
+          <a:lstStyle/>
+          <a:p>
+            <a:pPr algn="ctr"/>
+            <a:endParaRPr lang="ko-KR" altLang="en-US"/>
+          </a:p>
+        </p:txBody>
+      </p:sp>
+      <p:sp>
+        <p:nvSpPr>
+          <p:cNvPr id="3" name="자유형 2"/>
+          <p:cNvSpPr/>
+          <p:nvPr/>
+        </p:nvSpPr>
+        <p:spPr>
+          <a:xfrm>
+            <a:off x="2855343" y="2454912"/>
+            <a:ext cx="3243532" cy="728235"/>
+          </a:xfrm>
+          <a:custGeom>
+            <a:avLst/>
+            <a:gdLst>
+              <a:gd name="connsiteX0" fmla="*/ 0 w 3243532"/>
+              <a:gd name="connsiteY0" fmla="*/ 728235 h 728235"/>
+              <a:gd name="connsiteX1" fmla="*/ 672861 w 3243532"/>
+              <a:gd name="connsiteY1" fmla="*/ 89880 h 728235"/>
+              <a:gd name="connsiteX2" fmla="*/ 1923691 w 3243532"/>
+              <a:gd name="connsiteY2" fmla="*/ 20869 h 728235"/>
+              <a:gd name="connsiteX3" fmla="*/ 3243532 w 3243532"/>
+              <a:gd name="connsiteY3" fmla="*/ 245156 h 728235"/>
+            </a:gdLst>
+            <a:ahLst/>
+            <a:cxnLst>
+              <a:cxn ang="0">
+                <a:pos x="connsiteX0" y="connsiteY0"/>
+              </a:cxn>
+              <a:cxn ang="0">
+                <a:pos x="connsiteX1" y="connsiteY1"/>
+              </a:cxn>
+              <a:cxn ang="0">
+                <a:pos x="connsiteX2" y="connsiteY2"/>
+              </a:cxn>
+              <a:cxn ang="0">
+                <a:pos x="connsiteX3" y="connsiteY3"/>
+              </a:cxn>
+            </a:cxnLst>
+            <a:rect l="l" t="t" r="r" b="b"/>
+            <a:pathLst>
+              <a:path w="3243532" h="728235">
+                <a:moveTo>
+                  <a:pt x="0" y="728235"/>
+                </a:moveTo>
+                <a:cubicBezTo>
+                  <a:pt x="176123" y="468004"/>
+                  <a:pt x="352246" y="207774"/>
+                  <a:pt x="672861" y="89880"/>
+                </a:cubicBezTo>
+                <a:cubicBezTo>
+                  <a:pt x="993476" y="-28014"/>
+                  <a:pt x="1495246" y="-5010"/>
+                  <a:pt x="1923691" y="20869"/>
+                </a:cubicBezTo>
+                <a:cubicBezTo>
+                  <a:pt x="2352136" y="46748"/>
+                  <a:pt x="2797834" y="145952"/>
+                  <a:pt x="3243532" y="245156"/>
+                </a:cubicBezTo>
+              </a:path>
+            </a:pathLst>
+          </a:custGeom>
+          <a:ln w="28575">
+            <a:solidFill>
+              <a:srgbClr val="FF0000"/>
+            </a:solidFill>
+            <a:headEnd type="none" w="med" len="med"/>
+            <a:tailEnd type="arrow" w="med" len="med"/>
+          </a:ln>
+        </p:spPr>
+        <p:style>
+          <a:lnRef idx="1">
+            <a:schemeClr val="accent1"/>
+          </a:lnRef>
+          <a:fillRef idx="0">
+            <a:schemeClr val="accent1"/>
+          </a:fillRef>
+          <a:effectRef idx="0">
+            <a:schemeClr val="accent1"/>
+          </a:effectRef>
+          <a:fontRef idx="minor">
+            <a:schemeClr val="tx1"/>
+          </a:fontRef>
+        </p:style>
+        <p:txBody>
+          <a:bodyPr rtlCol="0" anchor="ctr"/>
+          <a:lstStyle/>
+          <a:p>
+            <a:pPr algn="ctr"/>
+            <a:endParaRPr lang="ko-KR" altLang="en-US"/>
+          </a:p>
+        </p:txBody>
+      </p:sp>
+    </p:spTree>
+    <p:extLst>
+      <p:ext uri="{BB962C8B-B14F-4D97-AF65-F5344CB8AC3E}">
+        <p14:creationId xmlns:p14="http://schemas.microsoft.com/office/powerpoint/2010/main" val="123343540"/>
       </p:ext>
     </p:extLst>
   </p:cSld>
@@ -4842,7 +5808,7 @@
     </a:clrScheme>
     <a:fontScheme name="Office">
       <a:majorFont>
-        <a:latin typeface="맑은 고딕" panose="020F0302020204030204"/>
+        <a:latin typeface="맑은 고딕"/>
         <a:ea typeface=""/>
         <a:cs typeface=""/>
         <a:font script="Jpan" typeface="游ゴシック Light"/>
@@ -4894,7 +5860,7 @@
         <a:font script="Tfng" typeface="Ebrima"/>
       </a:majorFont>
       <a:minorFont>
-        <a:latin typeface="맑은 고딕" panose="020F0502020204030204"/>
+        <a:latin typeface="맑은 고딕"/>
         <a:ea typeface=""/>
         <a:cs typeface=""/>
         <a:font script="Jpan" typeface="游ゴシック"/>
@@ -5088,7 +6054,7 @@
   <a:extraClrSchemeLst/>
   <a:extLst>
     <a:ext uri="{05A4C25C-085E-4340-85A3-A5531E510DB2}">
-      <thm15:themeFamily xmlns:thm15="http://schemas.microsoft.com/office/thememl/2012/main" name="Office Theme" id="{62F939B6-93AF-4DB8-9C6B-D6C7DFDC589F}" vid="{4A3C46E8-61CC-4603-A589-7422A47A8E4A}"/>
+      <thm15:themeFamily xmlns:thm15="http://schemas.microsoft.com/office/thememl/2012/main" xmlns="" name="Office Theme" id="{62F939B6-93AF-4DB8-9C6B-D6C7DFDC589F}" vid="{4A3C46E8-61CC-4603-A589-7422A47A8E4A}"/>
     </a:ext>
   </a:extLst>
 </a:theme>
